--- a/プレゼン資料/ぱわぽ.pptx
+++ b/プレゼン資料/ぱわぽ.pptx
@@ -109,6 +109,11 @@
       </a:defRPr>
     </a:lvl9pPr>
   </p:defaultTextStyle>
+  <p:extLst>
+    <p:ext uri="{EFAFB233-063F-42B5-8137-9DF3F51BA10A}">
+      <p15:sldGuideLst xmlns:p15="http://schemas.microsoft.com/office/powerpoint/2012/main"/>
+    </p:ext>
+  </p:extLst>
 </p:presentation>
 </file>
 
@@ -957,10 +962,10 @@
         <a:lstStyle/>
         <a:p>
           <a:r>
-            <a:rPr kumimoji="1" lang="ja-JP"/>
+            <a:rPr kumimoji="1" lang="ja-JP" dirty="0"/>
             <a:t>背景を洞窟にして、先の見えない感じを出した。</a:t>
           </a:r>
-          <a:endParaRPr lang="en-US"/>
+          <a:endParaRPr lang="en-US" dirty="0"/>
         </a:p>
       </dgm:t>
     </dgm:pt>
@@ -990,21 +995,37 @@
       </dgm:t>
     </dgm:pt>
     <dgm:pt modelId="{491070EB-41AD-4C64-8E82-9214DDC70836}">
-      <dgm:prSet/>
+      <dgm:prSet custT="1"/>
       <dgm:spPr/>
       <dgm:t>
         <a:bodyPr/>
         <a:lstStyle/>
         <a:p>
           <a:r>
-            <a:rPr lang="ja-JP" dirty="0"/>
-            <a:t>小さい頃の冒険のように、先に進むにつれてもう戻ろうかという葛藤</a:t>
+            <a:rPr lang="ja-JP" sz="2000" dirty="0"/>
+            <a:t>小さい頃の冒険のように、先に進むにつれて</a:t>
           </a:r>
           <a:r>
-            <a:rPr kumimoji="1" lang="ja-JP" dirty="0"/>
+            <a:rPr lang="ja-JP" altLang="en-US" sz="2000" dirty="0"/>
+            <a:t>、</a:t>
+          </a:r>
+          <a:r>
+            <a:rPr lang="ja-JP" sz="2000" dirty="0"/>
+            <a:t>もう戻ろうか</a:t>
+          </a:r>
+          <a:r>
+            <a:rPr lang="ja-JP" altLang="en-US" sz="2000" dirty="0"/>
+            <a:t>な</a:t>
+          </a:r>
+          <a:r>
+            <a:rPr lang="ja-JP" sz="2000" dirty="0"/>
+            <a:t>という葛藤</a:t>
+          </a:r>
+          <a:r>
+            <a:rPr kumimoji="1" lang="ja-JP" sz="2000" dirty="0"/>
             <a:t>も追加した。</a:t>
           </a:r>
-          <a:endParaRPr lang="en-US" dirty="0"/>
+          <a:endParaRPr lang="en-US" sz="2000" dirty="0"/>
         </a:p>
       </dgm:t>
     </dgm:pt>
@@ -1239,7 +1260,7 @@
         </a:bodyPr>
         <a:lstStyle/>
         <a:p>
-          <a:pPr marL="0" lvl="0" indent="0" algn="l" defTabSz="889000">
+          <a:pPr marL="0" lvl="0" indent="0" algn="l" defTabSz="933450">
             <a:lnSpc>
               <a:spcPct val="90000"/>
             </a:lnSpc>
@@ -1252,10 +1273,10 @@
             <a:buNone/>
           </a:pPr>
           <a:r>
-            <a:rPr kumimoji="1" lang="ja-JP" sz="2000" kern="1200"/>
+            <a:rPr kumimoji="1" lang="ja-JP" sz="2100" kern="1200"/>
             <a:t>テキストのフォントをドットにしてゲーム画面のようにした。</a:t>
           </a:r>
-          <a:endParaRPr lang="en-US" sz="2000" kern="1200"/>
+          <a:endParaRPr lang="en-US" sz="2100" kern="1200"/>
         </a:p>
       </dsp:txBody>
       <dsp:txXfrm>
@@ -1395,10 +1416,10 @@
             <a:buNone/>
           </a:pPr>
           <a:r>
-            <a:rPr kumimoji="1" lang="ja-JP" sz="2000" kern="1200"/>
+            <a:rPr kumimoji="1" lang="ja-JP" sz="2000" kern="1200" dirty="0"/>
             <a:t>背景を洞窟にして、先の見えない感じを出した。</a:t>
           </a:r>
-          <a:endParaRPr lang="en-US" sz="2000" kern="1200"/>
+          <a:endParaRPr lang="en-US" sz="2000" kern="1200" dirty="0"/>
         </a:p>
       </dsp:txBody>
       <dsp:txXfrm>
@@ -1524,7 +1545,7 @@
         </a:bodyPr>
         <a:lstStyle/>
         <a:p>
-          <a:pPr marL="0" lvl="0" indent="0" algn="l" defTabSz="844550">
+          <a:pPr marL="0" lvl="0" indent="0" algn="l" defTabSz="889000">
             <a:lnSpc>
               <a:spcPct val="90000"/>
             </a:lnSpc>
@@ -1537,14 +1558,30 @@
             <a:buNone/>
           </a:pPr>
           <a:r>
-            <a:rPr lang="ja-JP" sz="1900" kern="1200" dirty="0"/>
-            <a:t>小さい頃の冒険のように、先に進むにつれてもう戻ろうかという葛藤</a:t>
+            <a:rPr lang="ja-JP" sz="2000" kern="1200" dirty="0"/>
+            <a:t>小さい頃の冒険のように、先に進むにつれて</a:t>
           </a:r>
           <a:r>
-            <a:rPr kumimoji="1" lang="ja-JP" sz="1900" kern="1200" dirty="0"/>
+            <a:rPr lang="ja-JP" altLang="en-US" sz="2000" kern="1200" dirty="0"/>
+            <a:t>、</a:t>
+          </a:r>
+          <a:r>
+            <a:rPr lang="ja-JP" sz="2000" kern="1200" dirty="0"/>
+            <a:t>もう戻ろうか</a:t>
+          </a:r>
+          <a:r>
+            <a:rPr lang="ja-JP" altLang="en-US" sz="2000" kern="1200" dirty="0"/>
+            <a:t>な</a:t>
+          </a:r>
+          <a:r>
+            <a:rPr lang="ja-JP" sz="2000" kern="1200" dirty="0"/>
+            <a:t>という葛藤</a:t>
+          </a:r>
+          <a:r>
+            <a:rPr kumimoji="1" lang="ja-JP" sz="2000" kern="1200" dirty="0"/>
             <a:t>も追加した。</a:t>
           </a:r>
-          <a:endParaRPr lang="en-US" sz="1900" kern="1200" dirty="0"/>
+          <a:endParaRPr lang="en-US" sz="2000" kern="1200" dirty="0"/>
         </a:p>
       </dsp:txBody>
       <dsp:txXfrm>
@@ -3428,7 +3465,7 @@
           <a:p>
             <a:fld id="{EE1801F8-EED5-448C-B060-2F76C646BBD2}" type="datetimeFigureOut">
               <a:rPr kumimoji="1" lang="ja-JP" altLang="en-US" smtClean="0"/>
-              <a:t>2024/1/10</a:t>
+              <a:t>2024/1/17</a:t>
             </a:fld>
             <a:endParaRPr kumimoji="1" lang="ja-JP" altLang="en-US"/>
           </a:p>
@@ -4410,7 +4447,7 @@
           <a:p>
             <a:fld id="{EE1801F8-EED5-448C-B060-2F76C646BBD2}" type="datetimeFigureOut">
               <a:rPr kumimoji="1" lang="ja-JP" altLang="en-US" smtClean="0"/>
-              <a:t>2024/1/10</a:t>
+              <a:t>2024/1/17</a:t>
             </a:fld>
             <a:endParaRPr kumimoji="1" lang="ja-JP" altLang="en-US"/>
           </a:p>
@@ -5280,7 +5317,7 @@
           <a:p>
             <a:fld id="{EE1801F8-EED5-448C-B060-2F76C646BBD2}" type="datetimeFigureOut">
               <a:rPr kumimoji="1" lang="ja-JP" altLang="en-US" smtClean="0"/>
-              <a:t>2024/1/10</a:t>
+              <a:t>2024/1/17</a:t>
             </a:fld>
             <a:endParaRPr kumimoji="1" lang="ja-JP" altLang="en-US"/>
           </a:p>
@@ -6301,7 +6338,7 @@
           <a:p>
             <a:fld id="{EE1801F8-EED5-448C-B060-2F76C646BBD2}" type="datetimeFigureOut">
               <a:rPr kumimoji="1" lang="ja-JP" altLang="en-US" smtClean="0"/>
-              <a:t>2024/1/10</a:t>
+              <a:t>2024/1/17</a:t>
             </a:fld>
             <a:endParaRPr kumimoji="1" lang="ja-JP" altLang="en-US"/>
           </a:p>
@@ -7221,7 +7258,7 @@
           <a:p>
             <a:fld id="{EE1801F8-EED5-448C-B060-2F76C646BBD2}" type="datetimeFigureOut">
               <a:rPr kumimoji="1" lang="ja-JP" altLang="en-US" smtClean="0"/>
-              <a:t>2024/1/10</a:t>
+              <a:t>2024/1/17</a:t>
             </a:fld>
             <a:endParaRPr kumimoji="1" lang="ja-JP" altLang="en-US"/>
           </a:p>
@@ -7877,7 +7914,7 @@
           <a:p>
             <a:fld id="{EE1801F8-EED5-448C-B060-2F76C646BBD2}" type="datetimeFigureOut">
               <a:rPr kumimoji="1" lang="ja-JP" altLang="en-US" smtClean="0"/>
-              <a:t>2024/1/10</a:t>
+              <a:t>2024/1/17</a:t>
             </a:fld>
             <a:endParaRPr kumimoji="1" lang="ja-JP" altLang="en-US"/>
           </a:p>
@@ -8734,7 +8771,7 @@
           <a:p>
             <a:fld id="{EE1801F8-EED5-448C-B060-2F76C646BBD2}" type="datetimeFigureOut">
               <a:rPr kumimoji="1" lang="ja-JP" altLang="en-US" smtClean="0"/>
-              <a:t>2024/1/10</a:t>
+              <a:t>2024/1/17</a:t>
             </a:fld>
             <a:endParaRPr kumimoji="1" lang="ja-JP" altLang="en-US"/>
           </a:p>
@@ -8949,7 +8986,7 @@
           <a:p>
             <a:fld id="{EE1801F8-EED5-448C-B060-2F76C646BBD2}" type="datetimeFigureOut">
               <a:rPr kumimoji="1" lang="ja-JP" altLang="en-US" smtClean="0"/>
-              <a:t>2024/1/10</a:t>
+              <a:t>2024/1/17</a:t>
             </a:fld>
             <a:endParaRPr kumimoji="1" lang="ja-JP" altLang="en-US"/>
           </a:p>
@@ -9838,7 +9875,7 @@
           <a:p>
             <a:fld id="{EE1801F8-EED5-448C-B060-2F76C646BBD2}" type="datetimeFigureOut">
               <a:rPr kumimoji="1" lang="ja-JP" altLang="en-US" smtClean="0"/>
-              <a:t>2024/1/10</a:t>
+              <a:t>2024/1/17</a:t>
             </a:fld>
             <a:endParaRPr kumimoji="1" lang="ja-JP" altLang="en-US"/>
           </a:p>
@@ -10089,7 +10126,7 @@
           <a:p>
             <a:fld id="{EE1801F8-EED5-448C-B060-2F76C646BBD2}" type="datetimeFigureOut">
               <a:rPr kumimoji="1" lang="ja-JP" altLang="en-US" smtClean="0"/>
-              <a:t>2024/1/10</a:t>
+              <a:t>2024/1/17</a:t>
             </a:fld>
             <a:endParaRPr kumimoji="1" lang="ja-JP" altLang="en-US"/>
           </a:p>
@@ -11014,7 +11051,7 @@
           <a:p>
             <a:fld id="{EE1801F8-EED5-448C-B060-2F76C646BBD2}" type="datetimeFigureOut">
               <a:rPr kumimoji="1" lang="ja-JP" altLang="en-US" smtClean="0"/>
-              <a:t>2024/1/10</a:t>
+              <a:t>2024/1/17</a:t>
             </a:fld>
             <a:endParaRPr kumimoji="1" lang="ja-JP" altLang="en-US"/>
           </a:p>
@@ -11362,7 +11399,7 @@
           <a:p>
             <a:fld id="{EE1801F8-EED5-448C-B060-2F76C646BBD2}" type="datetimeFigureOut">
               <a:rPr kumimoji="1" lang="ja-JP" altLang="en-US" smtClean="0"/>
-              <a:t>2024/1/10</a:t>
+              <a:t>2024/1/17</a:t>
             </a:fld>
             <a:endParaRPr kumimoji="1" lang="ja-JP" altLang="en-US"/>
           </a:p>
@@ -11816,7 +11853,7 @@
           <a:p>
             <a:fld id="{EE1801F8-EED5-448C-B060-2F76C646BBD2}" type="datetimeFigureOut">
               <a:rPr kumimoji="1" lang="ja-JP" altLang="en-US" smtClean="0"/>
-              <a:t>2024/1/10</a:t>
+              <a:t>2024/1/17</a:t>
             </a:fld>
             <a:endParaRPr kumimoji="1" lang="ja-JP" altLang="en-US"/>
           </a:p>
@@ -11942,7 +11979,7 @@
           <a:p>
             <a:fld id="{EE1801F8-EED5-448C-B060-2F76C646BBD2}" type="datetimeFigureOut">
               <a:rPr kumimoji="1" lang="ja-JP" altLang="en-US" smtClean="0"/>
-              <a:t>2024/1/10</a:t>
+              <a:t>2024/1/17</a:t>
             </a:fld>
             <a:endParaRPr kumimoji="1" lang="ja-JP" altLang="en-US"/>
           </a:p>
@@ -12037,7 +12074,7 @@
           <a:p>
             <a:fld id="{EE1801F8-EED5-448C-B060-2F76C646BBD2}" type="datetimeFigureOut">
               <a:rPr kumimoji="1" lang="ja-JP" altLang="en-US" smtClean="0"/>
-              <a:t>2024/1/10</a:t>
+              <a:t>2024/1/17</a:t>
             </a:fld>
             <a:endParaRPr kumimoji="1" lang="ja-JP" altLang="en-US"/>
           </a:p>
@@ -13040,7 +13077,7 @@
           <a:p>
             <a:fld id="{EE1801F8-EED5-448C-B060-2F76C646BBD2}" type="datetimeFigureOut">
               <a:rPr kumimoji="1" lang="ja-JP" altLang="en-US" smtClean="0"/>
-              <a:t>2024/1/10</a:t>
+              <a:t>2024/1/17</a:t>
             </a:fld>
             <a:endParaRPr kumimoji="1" lang="ja-JP" altLang="en-US"/>
           </a:p>
@@ -14035,7 +14072,7 @@
           <a:p>
             <a:fld id="{EE1801F8-EED5-448C-B060-2F76C646BBD2}" type="datetimeFigureOut">
               <a:rPr kumimoji="1" lang="ja-JP" altLang="en-US" smtClean="0"/>
-              <a:t>2024/1/10</a:t>
+              <a:t>2024/1/17</a:t>
             </a:fld>
             <a:endParaRPr kumimoji="1" lang="ja-JP" altLang="en-US"/>
           </a:p>
@@ -14951,7 +14988,7 @@
           <a:p>
             <a:fld id="{EE1801F8-EED5-448C-B060-2F76C646BBD2}" type="datetimeFigureOut">
               <a:rPr kumimoji="1" lang="ja-JP" altLang="en-US" smtClean="0"/>
-              <a:t>2024/1/10</a:t>
+              <a:t>2024/1/17</a:t>
             </a:fld>
             <a:endParaRPr kumimoji="1" lang="ja-JP" altLang="en-US"/>
           </a:p>
@@ -15538,7 +15575,7 @@
         </p:blipFill>
         <p:spPr>
           <a:xfrm>
-            <a:off x="-345233" y="0"/>
+            <a:off x="-497633" y="0"/>
             <a:ext cx="12689633" cy="6858000"/>
           </a:xfrm>
           <a:prstGeom prst="rect">
@@ -15563,6 +15600,10 @@
           </p:nvPr>
         </p:nvSpPr>
         <p:spPr>
+          <a:xfrm>
+            <a:off x="1238931" y="354909"/>
+            <a:ext cx="8825658" cy="2677648"/>
+          </a:xfrm>
           <a:ln>
             <a:noFill/>
           </a:ln>
@@ -15611,7 +15652,12 @@
             <p:ph type="subTitle" idx="1"/>
           </p:nvPr>
         </p:nvSpPr>
-        <p:spPr/>
+        <p:spPr>
+          <a:xfrm>
+            <a:off x="1966718" y="3825444"/>
+            <a:ext cx="8825658" cy="861420"/>
+          </a:xfrm>
+        </p:spPr>
         <p:txBody>
           <a:bodyPr>
             <a:normAutofit/>
@@ -15793,7 +15839,9 @@
             <a:r>
               <a:rPr kumimoji="1" lang="ja-JP" altLang="en-US" sz="2400" dirty="0">
                 <a:solidFill>
-                  <a:schemeClr val="bg1"/>
+                  <a:schemeClr val="accent1">
+                    <a:lumMod val="50000"/>
+                  </a:schemeClr>
                 </a:solidFill>
                 <a:highlight>
                   <a:srgbClr val="00FFFF"/>
@@ -15803,7 +15851,9 @@
             </a:r>
             <a:endParaRPr kumimoji="1" lang="en-US" altLang="ja-JP" sz="2400" dirty="0">
               <a:solidFill>
-                <a:schemeClr val="bg1"/>
+                <a:schemeClr val="accent1">
+                  <a:lumMod val="50000"/>
+                </a:schemeClr>
               </a:solidFill>
               <a:highlight>
                 <a:srgbClr val="00FFFF"/>
@@ -15813,7 +15863,9 @@
           <a:p>
             <a:endParaRPr kumimoji="1" lang="en-US" altLang="ja-JP" sz="2400" dirty="0">
               <a:solidFill>
-                <a:schemeClr val="bg1"/>
+                <a:schemeClr val="accent1">
+                  <a:lumMod val="50000"/>
+                </a:schemeClr>
               </a:solidFill>
               <a:highlight>
                 <a:srgbClr val="00FFFF"/>
@@ -15824,7 +15876,9 @@
             <a:r>
               <a:rPr kumimoji="1" lang="ja-JP" altLang="en-US" sz="2400" dirty="0">
                 <a:solidFill>
-                  <a:schemeClr val="bg1"/>
+                  <a:schemeClr val="accent1">
+                    <a:lumMod val="50000"/>
+                  </a:schemeClr>
                 </a:solidFill>
                 <a:highlight>
                   <a:srgbClr val="00FFFF"/>
@@ -15834,7 +15888,9 @@
             </a:r>
             <a:endParaRPr kumimoji="1" lang="en-US" altLang="ja-JP" sz="2400" dirty="0">
               <a:solidFill>
-                <a:schemeClr val="bg1"/>
+                <a:schemeClr val="accent1">
+                  <a:lumMod val="50000"/>
+                </a:schemeClr>
               </a:solidFill>
               <a:highlight>
                 <a:srgbClr val="00FFFF"/>
@@ -15844,7 +15900,9 @@
           <a:p>
             <a:endParaRPr lang="en-US" altLang="ja-JP" sz="2400" dirty="0">
               <a:solidFill>
-                <a:schemeClr val="bg1"/>
+                <a:schemeClr val="accent1">
+                  <a:lumMod val="50000"/>
+                </a:schemeClr>
               </a:solidFill>
               <a:highlight>
                 <a:srgbClr val="00FFFF"/>
@@ -15855,7 +15913,9 @@
             <a:r>
               <a:rPr kumimoji="1" lang="ja-JP" altLang="en-US" sz="2400" dirty="0">
                 <a:solidFill>
-                  <a:schemeClr val="bg1"/>
+                  <a:schemeClr val="accent1">
+                    <a:lumMod val="50000"/>
+                  </a:schemeClr>
                 </a:solidFill>
                 <a:highlight>
                   <a:srgbClr val="00FFFF"/>
@@ -15865,7 +15925,9 @@
             </a:r>
             <a:endParaRPr kumimoji="1" lang="en-US" altLang="ja-JP" sz="2400" dirty="0">
               <a:solidFill>
-                <a:schemeClr val="bg1"/>
+                <a:schemeClr val="accent1">
+                  <a:lumMod val="50000"/>
+                </a:schemeClr>
               </a:solidFill>
               <a:highlight>
                 <a:srgbClr val="00FFFF"/>
@@ -15887,13 +15949,13 @@
   <p:clrMapOvr>
     <a:masterClrMapping/>
   </p:clrMapOvr>
-  <mc:AlternateContent xmlns:mc="http://schemas.openxmlformats.org/markup-compatibility/2006">
-    <mc:Choice xmlns:p14="http://schemas.microsoft.com/office/powerpoint/2010/main" Requires="p14">
+  <mc:AlternateContent xmlns:mc="http://schemas.openxmlformats.org/markup-compatibility/2006" xmlns:p14="http://schemas.microsoft.com/office/powerpoint/2010/main">
+    <mc:Choice Requires="p14">
       <p:transition spd="slow" p14:dur="3400">
         <p14:reveal/>
       </p:transition>
     </mc:Choice>
-    <mc:Fallback>
+    <mc:Fallback xmlns="">
       <p:transition spd="slow">
         <p:fade/>
       </p:transition>
@@ -16429,6 +16491,78 @@
           </a:fontRef>
         </p:style>
       </p:cxnSp>
+      <p:pic>
+        <p:nvPicPr>
+          <p:cNvPr id="4" name="図 3" descr="カレンダー, マップ">
+            <a:extLst>
+              <a:ext uri="{FF2B5EF4-FFF2-40B4-BE49-F238E27FC236}">
+                <a16:creationId xmlns:a16="http://schemas.microsoft.com/office/drawing/2014/main" id="{1B6946DE-8783-F761-9860-057856FA807B}"/>
+              </a:ext>
+            </a:extLst>
+          </p:cNvPr>
+          <p:cNvPicPr>
+            <a:picLocks noChangeAspect="1"/>
+          </p:cNvPicPr>
+          <p:nvPr/>
+        </p:nvPicPr>
+        <p:blipFill>
+          <a:blip r:embed="rId2">
+            <a:extLst>
+              <a:ext uri="{28A0092B-C50C-407E-A947-70E740481C1C}">
+                <a14:useLocalDpi xmlns:a14="http://schemas.microsoft.com/office/drawing/2010/main" val="0"/>
+              </a:ext>
+            </a:extLst>
+          </a:blip>
+          <a:stretch>
+            <a:fillRect/>
+          </a:stretch>
+        </p:blipFill>
+        <p:spPr>
+          <a:xfrm>
+            <a:off x="535296" y="3959258"/>
+            <a:ext cx="4143128" cy="2791692"/>
+          </a:xfrm>
+          <a:prstGeom prst="rect">
+            <a:avLst/>
+          </a:prstGeom>
+        </p:spPr>
+      </p:pic>
+      <p:pic>
+        <p:nvPicPr>
+          <p:cNvPr id="6" name="図 5" descr="テキスト が含まれている画像&#10;&#10;自動的に生成された説明">
+            <a:extLst>
+              <a:ext uri="{FF2B5EF4-FFF2-40B4-BE49-F238E27FC236}">
+                <a16:creationId xmlns:a16="http://schemas.microsoft.com/office/drawing/2014/main" id="{5990D582-843D-15C5-ACA6-49FDB8ACA630}"/>
+              </a:ext>
+            </a:extLst>
+          </p:cNvPr>
+          <p:cNvPicPr>
+            <a:picLocks noChangeAspect="1"/>
+          </p:cNvPicPr>
+          <p:nvPr/>
+        </p:nvPicPr>
+        <p:blipFill>
+          <a:blip r:embed="rId3">
+            <a:extLst>
+              <a:ext uri="{28A0092B-C50C-407E-A947-70E740481C1C}">
+                <a14:useLocalDpi xmlns:a14="http://schemas.microsoft.com/office/drawing/2010/main" val="0"/>
+              </a:ext>
+            </a:extLst>
+          </a:blip>
+          <a:stretch>
+            <a:fillRect/>
+          </a:stretch>
+        </p:blipFill>
+        <p:spPr>
+          <a:xfrm>
+            <a:off x="9045427" y="295631"/>
+            <a:ext cx="2907298" cy="1635355"/>
+          </a:xfrm>
+          <a:prstGeom prst="rect">
+            <a:avLst/>
+          </a:prstGeom>
+        </p:spPr>
+      </p:pic>
     </p:spTree>
     <p:extLst>
       <p:ext uri="{BB962C8B-B14F-4D97-AF65-F5344CB8AC3E}">
@@ -16439,13 +16573,13 @@
   <p:clrMapOvr>
     <a:masterClrMapping/>
   </p:clrMapOvr>
-  <mc:AlternateContent xmlns:mc="http://schemas.openxmlformats.org/markup-compatibility/2006">
-    <mc:Choice xmlns:p14="http://schemas.microsoft.com/office/powerpoint/2010/main" Requires="p14">
+  <mc:AlternateContent xmlns:mc="http://schemas.openxmlformats.org/markup-compatibility/2006" xmlns:p14="http://schemas.microsoft.com/office/powerpoint/2010/main">
+    <mc:Choice Requires="p14">
       <p:transition spd="med" p14:dur="700">
         <p:fade/>
       </p:transition>
     </mc:Choice>
-    <mc:Fallback>
+    <mc:Fallback xmlns="">
       <p:transition spd="med">
         <p:fade/>
       </p:transition>
@@ -17362,7 +17496,7 @@
             <p:ph idx="1"/>
             <p:extLst>
               <p:ext uri="{D42A27DB-BD31-4B8C-83A1-F6EECF244321}">
-                <p14:modId xmlns:p14="http://schemas.microsoft.com/office/powerpoint/2010/main" val="1845538173"/>
+                <p14:modId xmlns:p14="http://schemas.microsoft.com/office/powerpoint/2010/main" val="759479744"/>
               </p:ext>
             </p:extLst>
           </p:nvPr>
@@ -17405,8 +17539,44 @@
         </p:blipFill>
         <p:spPr>
           <a:xfrm>
-            <a:off x="729018" y="643102"/>
-            <a:ext cx="2696043" cy="2354463"/>
+            <a:off x="682798" y="1142999"/>
+            <a:ext cx="3782139" cy="1838841"/>
+          </a:xfrm>
+          <a:prstGeom prst="rect">
+            <a:avLst/>
+          </a:prstGeom>
+        </p:spPr>
+      </p:pic>
+      <p:pic>
+        <p:nvPicPr>
+          <p:cNvPr id="4" name="図 3" descr="ロゴ が含まれている画像&#10;&#10;自動的に生成された説明">
+            <a:extLst>
+              <a:ext uri="{FF2B5EF4-FFF2-40B4-BE49-F238E27FC236}">
+                <a16:creationId xmlns:a16="http://schemas.microsoft.com/office/drawing/2014/main" id="{465B87C7-CE61-00F3-C5FB-A2269972BF53}"/>
+              </a:ext>
+            </a:extLst>
+          </p:cNvPr>
+          <p:cNvPicPr>
+            <a:picLocks noChangeAspect="1"/>
+          </p:cNvPicPr>
+          <p:nvPr/>
+        </p:nvPicPr>
+        <p:blipFill>
+          <a:blip r:embed="rId9">
+            <a:extLst>
+              <a:ext uri="{28A0092B-C50C-407E-A947-70E740481C1C}">
+                <a14:useLocalDpi xmlns:a14="http://schemas.microsoft.com/office/drawing/2010/main" val="0"/>
+              </a:ext>
+            </a:extLst>
+          </a:blip>
+          <a:stretch>
+            <a:fillRect/>
+          </a:stretch>
+        </p:blipFill>
+        <p:spPr>
+          <a:xfrm>
+            <a:off x="5483212" y="79786"/>
+            <a:ext cx="2021888" cy="2126427"/>
           </a:xfrm>
           <a:prstGeom prst="rect">
             <a:avLst/>
@@ -17423,13 +17593,13 @@
   <p:clrMapOvr>
     <a:masterClrMapping/>
   </p:clrMapOvr>
-  <mc:AlternateContent xmlns:mc="http://schemas.openxmlformats.org/markup-compatibility/2006">
-    <mc:Choice xmlns:p14="http://schemas.microsoft.com/office/powerpoint/2010/main" Requires="p14">
+  <mc:AlternateContent xmlns:mc="http://schemas.openxmlformats.org/markup-compatibility/2006" xmlns:p14="http://schemas.microsoft.com/office/powerpoint/2010/main">
+    <mc:Choice Requires="p14">
       <p:transition spd="med" p14:dur="700">
         <p:fade/>
       </p:transition>
     </mc:Choice>
-    <mc:Fallback>
+    <mc:Fallback xmlns="">
       <p:transition spd="med">
         <p:fade/>
       </p:transition>
@@ -17644,13 +17814,13 @@
   <p:clrMapOvr>
     <a:masterClrMapping/>
   </p:clrMapOvr>
-  <mc:AlternateContent xmlns:mc="http://schemas.openxmlformats.org/markup-compatibility/2006">
-    <mc:Choice xmlns:p14="http://schemas.microsoft.com/office/powerpoint/2010/main" Requires="p14">
+  <mc:AlternateContent xmlns:mc="http://schemas.openxmlformats.org/markup-compatibility/2006" xmlns:p14="http://schemas.microsoft.com/office/powerpoint/2010/main">
+    <mc:Choice Requires="p14">
       <p:transition spd="med" p14:dur="700">
         <p:fade/>
       </p:transition>
     </mc:Choice>
-    <mc:Fallback>
+    <mc:Fallback xmlns="">
       <p:transition spd="med">
         <p:fade/>
       </p:transition>
@@ -17809,8 +17979,44 @@
         </p:blipFill>
         <p:spPr>
           <a:xfrm>
-            <a:off x="7075488" y="3210507"/>
-            <a:ext cx="2543175" cy="3248025"/>
+            <a:off x="6225581" y="4053526"/>
+            <a:ext cx="2195878" cy="2804474"/>
+          </a:xfrm>
+          <a:prstGeom prst="rect">
+            <a:avLst/>
+          </a:prstGeom>
+        </p:spPr>
+      </p:pic>
+      <p:pic>
+        <p:nvPicPr>
+          <p:cNvPr id="6" name="図 5">
+            <a:extLst>
+              <a:ext uri="{FF2B5EF4-FFF2-40B4-BE49-F238E27FC236}">
+                <a16:creationId xmlns:a16="http://schemas.microsoft.com/office/drawing/2014/main" id="{B11603D6-17DE-3E21-586F-41FECC9AF0A0}"/>
+              </a:ext>
+            </a:extLst>
+          </p:cNvPr>
+          <p:cNvPicPr>
+            <a:picLocks noChangeAspect="1"/>
+          </p:cNvPicPr>
+          <p:nvPr/>
+        </p:nvPicPr>
+        <p:blipFill>
+          <a:blip r:embed="rId3">
+            <a:extLst>
+              <a:ext uri="{28A0092B-C50C-407E-A947-70E740481C1C}">
+                <a14:useLocalDpi xmlns:a14="http://schemas.microsoft.com/office/drawing/2010/main" val="0"/>
+              </a:ext>
+            </a:extLst>
+          </a:blip>
+          <a:stretch>
+            <a:fillRect/>
+          </a:stretch>
+        </p:blipFill>
+        <p:spPr>
+          <a:xfrm>
+            <a:off x="8296534" y="2258007"/>
+            <a:ext cx="3895466" cy="4599993"/>
           </a:xfrm>
           <a:prstGeom prst="rect">
             <a:avLst/>

--- a/プレゼン資料/ぱわぽ.pptx
+++ b/プレゼン資料/ぱわぽ.pptx
@@ -17660,7 +17660,7 @@
       </p:sp>
       <p:pic>
         <p:nvPicPr>
-          <p:cNvPr id="5" name="コンテンツ プレースホルダー 4" descr="グラフィカル ユーザー インターフェイス, アプリケーション&#10;&#10;自動的に生成された説明">
+          <p:cNvPr id="5" name="コンテンツ プレースホルダー 4">
             <a:extLst>
               <a:ext uri="{FF2B5EF4-FFF2-40B4-BE49-F238E27FC236}">
                 <a16:creationId xmlns:a16="http://schemas.microsoft.com/office/drawing/2014/main" id="{96286D49-00D7-9C07-0E89-6E871C3F0A11}"/>
@@ -17682,9 +17682,8 @@
               </a:ext>
             </a:extLst>
           </a:blip>
-          <a:stretch>
-            <a:fillRect/>
-          </a:stretch>
+          <a:srcRect l="20954" r="20954"/>
+          <a:stretch/>
         </p:blipFill>
         <p:spPr>
           <a:xfrm>

--- a/プレゼン資料/ぱわぽ.pptx
+++ b/プレゼン資料/ぱわぽ.pptx
@@ -7,10 +7,11 @@
   <p:sldIdLst>
     <p:sldId id="256" r:id="rId2"/>
     <p:sldId id="257" r:id="rId3"/>
-    <p:sldId id="258" r:id="rId4"/>
-    <p:sldId id="260" r:id="rId5"/>
-    <p:sldId id="259" r:id="rId6"/>
-    <p:sldId id="261" r:id="rId7"/>
+    <p:sldId id="262" r:id="rId4"/>
+    <p:sldId id="259" r:id="rId5"/>
+    <p:sldId id="260" r:id="rId6"/>
+    <p:sldId id="258" r:id="rId7"/>
+    <p:sldId id="261" r:id="rId8"/>
   </p:sldIdLst>
   <p:sldSz cx="12192000" cy="6858000"/>
   <p:notesSz cx="6858000" cy="9144000"/>
@@ -15967,14 +15968,6 @@
 <file path=ppt/slides/slide3.xml><?xml version="1.0" encoding="utf-8"?>
 <p:sld xmlns:a="http://schemas.openxmlformats.org/drawingml/2006/main" xmlns:r="http://schemas.openxmlformats.org/officeDocument/2006/relationships" xmlns:p="http://schemas.openxmlformats.org/presentationml/2006/main">
   <p:cSld>
-    <p:bg>
-      <p:bgPr>
-        <a:solidFill>
-          <a:schemeClr val="bg1"/>
-        </a:solidFill>
-        <a:effectLst/>
-      </p:bgPr>
-    </p:bg>
     <p:spTree>
       <p:nvGrpSpPr>
         <p:cNvPr id="1" name=""/>
@@ -15989,45 +15982,113 @@
           <a:chExt cx="0" cy="0"/>
         </a:xfrm>
       </p:grpSpPr>
-      <p:sp useBgFill="1">
+      <p:sp>
         <p:nvSpPr>
-          <p:cNvPr id="8" name="Rectangle 7">
+          <p:cNvPr id="2" name="タイトル 1">
             <a:extLst>
               <a:ext uri="{FF2B5EF4-FFF2-40B4-BE49-F238E27FC236}">
-                <a16:creationId xmlns:a16="http://schemas.microsoft.com/office/drawing/2014/main" id="{B219AE65-9B94-44EA-BEF3-EF4BFA169C81}"/>
-              </a:ext>
-              <a:ext uri="{C183D7F6-B498-43B3-948B-1728B52AA6E4}">
-                <adec:decorative xmlns:adec="http://schemas.microsoft.com/office/drawing/2017/decorative" val="1"/>
+                <a16:creationId xmlns:a16="http://schemas.microsoft.com/office/drawing/2014/main" id="{F007D4C8-22CF-4990-FD6E-73822D77875F}"/>
               </a:ext>
             </a:extLst>
           </p:cNvPr>
           <p:cNvSpPr>
-            <a:spLocks noGrp="1" noRot="1" noChangeAspect="1" noMove="1" noResize="1" noEditPoints="1" noAdjustHandles="1" noChangeArrowheads="1" noChangeShapeType="1" noTextEdit="1"/>
+            <a:spLocks noGrp="1"/>
           </p:cNvSpPr>
           <p:nvPr>
-            <p:extLst>
-              <p:ext uri="{386F3935-93C4-4BCD-93E2-E3B085C9AB24}">
-                <p16:designElem xmlns:p16="http://schemas.microsoft.com/office/powerpoint/2015/main" val="1"/>
-              </p:ext>
-            </p:extLst>
+            <p:ph type="title"/>
           </p:nvPr>
+        </p:nvSpPr>
+        <p:spPr/>
+        <p:txBody>
+          <a:bodyPr/>
+          <a:lstStyle/>
+          <a:p>
+            <a:r>
+              <a:rPr kumimoji="1" lang="ja-JP" altLang="en-US" dirty="0"/>
+              <a:t>アプリ起動の流れ</a:t>
+            </a:r>
+          </a:p>
+        </p:txBody>
+      </p:sp>
+      <p:sp>
+        <p:nvSpPr>
+          <p:cNvPr id="3" name="コンテンツ プレースホルダー 2">
+            <a:extLst>
+              <a:ext uri="{FF2B5EF4-FFF2-40B4-BE49-F238E27FC236}">
+                <a16:creationId xmlns:a16="http://schemas.microsoft.com/office/drawing/2014/main" id="{F6E76218-330A-4890-490C-214B84DCF3DB}"/>
+              </a:ext>
+            </a:extLst>
+          </p:cNvPr>
+          <p:cNvSpPr>
+            <a:spLocks noGrp="1"/>
+          </p:cNvSpPr>
+          <p:nvPr>
+            <p:ph idx="1"/>
+          </p:nvPr>
+        </p:nvSpPr>
+        <p:spPr/>
+        <p:txBody>
+          <a:bodyPr>
+            <a:normAutofit lnSpcReduction="10000"/>
+          </a:bodyPr>
+          <a:lstStyle/>
+          <a:p>
+            <a:r>
+              <a:rPr lang="ja-JP" altLang="en-US" sz="4000" dirty="0"/>
+              <a:t>スプラッシュ</a:t>
+            </a:r>
+            <a:r>
+              <a:rPr kumimoji="1" lang="ja-JP" altLang="en-US" sz="4000" dirty="0"/>
+              <a:t>画面</a:t>
+            </a:r>
+            <a:endParaRPr kumimoji="1" lang="en-US" altLang="ja-JP" sz="4000" dirty="0"/>
+          </a:p>
+          <a:p>
+            <a:endParaRPr lang="en-US" altLang="ja-JP" sz="4000" dirty="0"/>
+          </a:p>
+          <a:p>
+            <a:r>
+              <a:rPr kumimoji="1" lang="ja-JP" altLang="en-US" sz="4000" dirty="0"/>
+              <a:t>１ページ目</a:t>
+            </a:r>
+            <a:endParaRPr kumimoji="1" lang="en-US" altLang="ja-JP" sz="4000" dirty="0"/>
+          </a:p>
+          <a:p>
+            <a:endParaRPr lang="en-US" altLang="ja-JP" sz="4000" dirty="0"/>
+          </a:p>
+          <a:p>
+            <a:r>
+              <a:rPr kumimoji="1" lang="ja-JP" altLang="en-US" sz="4000" dirty="0"/>
+              <a:t>行動後画面</a:t>
+            </a:r>
+          </a:p>
+        </p:txBody>
+      </p:sp>
+      <p:sp>
+        <p:nvSpPr>
+          <p:cNvPr id="4" name="矢印: 下 3">
+            <a:extLst>
+              <a:ext uri="{FF2B5EF4-FFF2-40B4-BE49-F238E27FC236}">
+                <a16:creationId xmlns:a16="http://schemas.microsoft.com/office/drawing/2014/main" id="{BDE9E04C-BD7E-E63C-9C0A-C922D84F14F1}"/>
+              </a:ext>
+            </a:extLst>
+          </p:cNvPr>
+          <p:cNvSpPr/>
+          <p:nvPr/>
         </p:nvSpPr>
         <p:spPr>
           <a:xfrm>
-            <a:off x="0" y="0"/>
-            <a:ext cx="12192000" cy="6858000"/>
+            <a:off x="3704254" y="3275045"/>
+            <a:ext cx="1184988" cy="503853"/>
           </a:xfrm>
-          <a:prstGeom prst="rect">
+          <a:prstGeom prst="downArrow">
             <a:avLst/>
           </a:prstGeom>
-          <a:ln>
-            <a:noFill/>
-          </a:ln>
         </p:spPr>
         <p:style>
           <a:lnRef idx="2">
             <a:schemeClr val="accent1">
-              <a:shade val="50000"/>
+              <a:shade val="15000"/>
             </a:schemeClr>
           </a:lnRef>
           <a:fillRef idx="1">
@@ -16045,57 +16106,41 @@
           <a:lstStyle/>
           <a:p>
             <a:pPr algn="ctr"/>
-            <a:endParaRPr lang="en-US"/>
+            <a:endParaRPr kumimoji="1" lang="ja-JP" altLang="en-US"/>
           </a:p>
         </p:txBody>
       </p:sp>
       <p:sp>
         <p:nvSpPr>
-          <p:cNvPr id="10" name="Rectangle 9">
+          <p:cNvPr id="5" name="矢印: 下 4">
             <a:extLst>
               <a:ext uri="{FF2B5EF4-FFF2-40B4-BE49-F238E27FC236}">
-                <a16:creationId xmlns:a16="http://schemas.microsoft.com/office/drawing/2014/main" id="{F0C81A57-9CD5-461B-8FFE-4A8CB6CFBE01}"/>
-              </a:ext>
-              <a:ext uri="{C183D7F6-B498-43B3-948B-1728B52AA6E4}">
-                <adec:decorative xmlns:adec="http://schemas.microsoft.com/office/drawing/2017/decorative" val="1"/>
+                <a16:creationId xmlns:a16="http://schemas.microsoft.com/office/drawing/2014/main" id="{9FF50709-D5E1-21DE-E60B-2CF63A3FF4EE}"/>
               </a:ext>
             </a:extLst>
           </p:cNvPr>
-          <p:cNvSpPr>
-            <a:spLocks noGrp="1" noRot="1" noChangeAspect="1" noMove="1" noResize="1" noEditPoints="1" noAdjustHandles="1" noChangeArrowheads="1" noChangeShapeType="1" noTextEdit="1"/>
-          </p:cNvSpPr>
-          <p:nvPr>
-            <p:extLst>
-              <p:ext uri="{386F3935-93C4-4BCD-93E2-E3B085C9AB24}">
-                <p16:designElem xmlns:p16="http://schemas.microsoft.com/office/powerpoint/2015/main" val="1"/>
-              </p:ext>
-            </p:extLst>
-          </p:nvPr>
+          <p:cNvSpPr/>
+          <p:nvPr/>
         </p:nvSpPr>
         <p:spPr>
           <a:xfrm>
-            <a:off x="11017539" y="467397"/>
-            <a:ext cx="695829" cy="5919116"/>
+            <a:off x="3704254" y="4701765"/>
+            <a:ext cx="1184988" cy="503853"/>
           </a:xfrm>
-          <a:prstGeom prst="rect">
+          <a:prstGeom prst="downArrow">
             <a:avLst/>
           </a:prstGeom>
-          <a:solidFill>
-            <a:schemeClr val="accent1"/>
-          </a:solidFill>
-          <a:ln>
-            <a:noFill/>
-          </a:ln>
-          <a:effectLst/>
         </p:spPr>
         <p:style>
-          <a:lnRef idx="1">
-            <a:schemeClr val="accent1"/>
+          <a:lnRef idx="2">
+            <a:schemeClr val="accent1">
+              <a:shade val="15000"/>
+            </a:schemeClr>
           </a:lnRef>
-          <a:fillRef idx="3">
+          <a:fillRef idx="1">
             <a:schemeClr val="accent1"/>
           </a:fillRef>
-          <a:effectRef idx="2">
+          <a:effectRef idx="0">
             <a:schemeClr val="accent1"/>
           </a:effectRef>
           <a:fontRef idx="minor">
@@ -16103,207 +16148,50 @@
           </a:fontRef>
         </p:style>
         <p:txBody>
-          <a:bodyPr/>
+          <a:bodyPr rtlCol="0" anchor="ctr"/>
           <a:lstStyle/>
           <a:p>
-            <a:endParaRPr lang="ja-JP" altLang="en-US"/>
+            <a:pPr algn="ctr"/>
+            <a:endParaRPr kumimoji="1" lang="ja-JP" altLang="en-US"/>
           </a:p>
         </p:txBody>
       </p:sp>
-      <p:grpSp>
-        <p:nvGrpSpPr>
-          <p:cNvPr id="12" name="Group 11">
-            <a:extLst>
-              <a:ext uri="{FF2B5EF4-FFF2-40B4-BE49-F238E27FC236}">
-                <a16:creationId xmlns:a16="http://schemas.microsoft.com/office/drawing/2014/main" id="{3086C462-37F4-494D-8292-CCB95221CC1A}"/>
-              </a:ext>
-              <a:ext uri="{C183D7F6-B498-43B3-948B-1728B52AA6E4}">
-                <adec:decorative xmlns:adec="http://schemas.microsoft.com/office/drawing/2017/decorative" val="1"/>
-              </a:ext>
-            </a:extLst>
-          </p:cNvPr>
-          <p:cNvGrpSpPr>
-            <a:grpSpLocks noGrp="1" noUngrp="1" noRot="1" noChangeAspect="1" noMove="1" noResize="1"/>
-          </p:cNvGrpSpPr>
-          <p:nvPr>
-            <p:extLst>
-              <p:ext uri="{386F3935-93C4-4BCD-93E2-E3B085C9AB24}">
-                <p16:designElem xmlns:p16="http://schemas.microsoft.com/office/powerpoint/2015/main" val="1"/>
-              </p:ext>
-            </p:extLst>
-          </p:nvPr>
-        </p:nvGrpSpPr>
-        <p:grpSpPr>
-          <a:xfrm>
-            <a:off x="0" y="0"/>
-            <a:ext cx="12192000" cy="6858000"/>
-            <a:chOff x="0" y="0"/>
-            <a:chExt cx="12192000" cy="6858000"/>
-          </a:xfrm>
-          <a:solidFill>
-            <a:srgbClr val="FFFFFF"/>
-          </a:solidFill>
-        </p:grpSpPr>
-        <p:sp>
-          <p:nvSpPr>
-            <p:cNvPr id="15" name="Rectangle 12">
-              <a:extLst>
-                <a:ext uri="{FF2B5EF4-FFF2-40B4-BE49-F238E27FC236}">
-                  <a16:creationId xmlns:a16="http://schemas.microsoft.com/office/drawing/2014/main" id="{2C7D2D64-353F-4802-AA48-A70CE6020B93}"/>
-                </a:ext>
-                <a:ext uri="{C183D7F6-B498-43B3-948B-1728B52AA6E4}">
-                  <adec:decorative xmlns:adec="http://schemas.microsoft.com/office/drawing/2017/decorative" val="1"/>
-                </a:ext>
-              </a:extLst>
-            </p:cNvPr>
-            <p:cNvSpPr/>
-            <p:nvPr>
-              <p:extLst>
-                <p:ext uri="{386F3935-93C4-4BCD-93E2-E3B085C9AB24}">
-                  <p16:designElem xmlns:p16="http://schemas.microsoft.com/office/powerpoint/2015/main" val="1"/>
-                </p:ext>
-              </p:extLst>
-            </p:nvPr>
-          </p:nvSpPr>
-          <p:spPr>
-            <a:xfrm>
-              <a:off x="0" y="0"/>
-              <a:ext cx="12192000" cy="6858000"/>
-            </a:xfrm>
-            <a:prstGeom prst="rect">
-              <a:avLst/>
-            </a:prstGeom>
-            <a:noFill/>
-            <a:ln>
-              <a:noFill/>
-            </a:ln>
-          </p:spPr>
-          <p:style>
-            <a:lnRef idx="2">
-              <a:schemeClr val="accent1">
-                <a:shade val="50000"/>
-              </a:schemeClr>
-            </a:lnRef>
-            <a:fillRef idx="1">
-              <a:schemeClr val="accent1"/>
-            </a:fillRef>
-            <a:effectRef idx="0">
-              <a:schemeClr val="accent1"/>
-            </a:effectRef>
-            <a:fontRef idx="minor">
-              <a:schemeClr val="lt1"/>
-            </a:fontRef>
-          </p:style>
-          <p:txBody>
-            <a:bodyPr/>
-            <a:lstStyle/>
-            <a:p>
-              <a:endParaRPr lang="ja-JP" altLang="en-US"/>
-            </a:p>
-          </p:txBody>
-        </p:sp>
-        <p:sp>
-          <p:nvSpPr>
-            <p:cNvPr id="14" name="Freeform 5">
-              <a:extLst>
-                <a:ext uri="{FF2B5EF4-FFF2-40B4-BE49-F238E27FC236}">
-                  <a16:creationId xmlns:a16="http://schemas.microsoft.com/office/drawing/2014/main" id="{30A6328F-CAA3-4052-BF4C-14BD47706E65}"/>
-                </a:ext>
-                <a:ext uri="{C183D7F6-B498-43B3-948B-1728B52AA6E4}">
-                  <adec:decorative xmlns:adec="http://schemas.microsoft.com/office/drawing/2017/decorative" val="1"/>
-                </a:ext>
-              </a:extLst>
-            </p:cNvPr>
-            <p:cNvSpPr>
-              <a:spLocks noEditPoints="1"/>
-            </p:cNvSpPr>
-            <p:nvPr>
-              <p:extLst>
-                <p:ext uri="{386F3935-93C4-4BCD-93E2-E3B085C9AB24}">
-                  <p16:designElem xmlns:p16="http://schemas.microsoft.com/office/powerpoint/2015/main" val="1"/>
-                </p:ext>
-              </p:extLst>
-            </p:nvPr>
-          </p:nvSpPr>
-          <p:spPr bwMode="gray">
-            <a:xfrm>
-              <a:off x="0" y="1587"/>
-              <a:ext cx="12192000" cy="6856413"/>
-            </a:xfrm>
-            <a:custGeom>
-              <a:avLst/>
-              <a:gdLst/>
-              <a:ahLst/>
-              <a:cxnLst/>
-              <a:rect l="0" t="0" r="r" b="b"/>
-              <a:pathLst>
-                <a:path w="15356" h="8638">
-                  <a:moveTo>
-                    <a:pt x="0" y="0"/>
-                  </a:moveTo>
-                  <a:lnTo>
-                    <a:pt x="0" y="8638"/>
-                  </a:lnTo>
-                  <a:lnTo>
-                    <a:pt x="15356" y="8638"/>
-                  </a:lnTo>
-                  <a:lnTo>
-                    <a:pt x="15356" y="0"/>
-                  </a:lnTo>
-                  <a:lnTo>
-                    <a:pt x="0" y="0"/>
-                  </a:lnTo>
-                  <a:close/>
-                  <a:moveTo>
-                    <a:pt x="14748" y="8038"/>
-                  </a:moveTo>
-                  <a:lnTo>
-                    <a:pt x="600" y="8038"/>
-                  </a:lnTo>
-                  <a:lnTo>
-                    <a:pt x="600" y="592"/>
-                  </a:lnTo>
-                  <a:lnTo>
-                    <a:pt x="14748" y="592"/>
-                  </a:lnTo>
-                  <a:lnTo>
-                    <a:pt x="14748" y="8038"/>
-                  </a:lnTo>
-                  <a:close/>
-                </a:path>
-              </a:pathLst>
-            </a:custGeom>
-            <a:ln>
-              <a:noFill/>
-            </a:ln>
-          </p:spPr>
-          <p:style>
-            <a:lnRef idx="0">
-              <a:scrgbClr r="0" g="0" b="0"/>
-            </a:lnRef>
-            <a:fillRef idx="1002">
-              <a:schemeClr val="dk2"/>
-            </a:fillRef>
-            <a:effectRef idx="0">
-              <a:scrgbClr r="0" g="0" b="0"/>
-            </a:effectRef>
-            <a:fontRef idx="major"/>
-          </p:style>
-          <p:txBody>
-            <a:bodyPr/>
-            <a:lstStyle/>
-            <a:p>
-              <a:endParaRPr lang="ja-JP" altLang="en-US"/>
-            </a:p>
-          </p:txBody>
-        </p:sp>
-      </p:grpSp>
+    </p:spTree>
+    <p:extLst>
+      <p:ext uri="{BB962C8B-B14F-4D97-AF65-F5344CB8AC3E}">
+        <p14:creationId xmlns:p14="http://schemas.microsoft.com/office/powerpoint/2010/main" val="2889176470"/>
+      </p:ext>
+    </p:extLst>
+  </p:cSld>
+  <p:clrMapOvr>
+    <a:masterClrMapping/>
+  </p:clrMapOvr>
+</p:sld>
+</file>
+
+<file path=ppt/slides/slide4.xml><?xml version="1.0" encoding="utf-8"?>
+<p:sld xmlns:a="http://schemas.openxmlformats.org/drawingml/2006/main" xmlns:r="http://schemas.openxmlformats.org/officeDocument/2006/relationships" xmlns:p="http://schemas.openxmlformats.org/presentationml/2006/main">
+  <p:cSld>
+    <p:spTree>
+      <p:nvGrpSpPr>
+        <p:cNvPr id="1" name=""/>
+        <p:cNvGrpSpPr/>
+        <p:nvPr/>
+      </p:nvGrpSpPr>
+      <p:grpSpPr>
+        <a:xfrm>
+          <a:off x="0" y="0"/>
+          <a:ext cx="0" cy="0"/>
+          <a:chOff x="0" y="0"/>
+          <a:chExt cx="0" cy="0"/>
+        </a:xfrm>
+      </p:grpSpPr>
       <p:sp>
         <p:nvSpPr>
           <p:cNvPr id="2" name="タイトル 1">
             <a:extLst>
               <a:ext uri="{FF2B5EF4-FFF2-40B4-BE49-F238E27FC236}">
-                <a16:creationId xmlns:a16="http://schemas.microsoft.com/office/drawing/2014/main" id="{4E7E5B88-2B32-7A5D-3BCC-6BD3D0908475}"/>
+                <a16:creationId xmlns:a16="http://schemas.microsoft.com/office/drawing/2014/main" id="{5C345A1B-5370-35AB-471A-18165BB922FC}"/>
               </a:ext>
             </a:extLst>
           </p:cNvPr>
@@ -16316,194 +16204,36 @@
         </p:nvSpPr>
         <p:spPr>
           <a:xfrm>
-            <a:off x="1000372" y="1209957"/>
-            <a:ext cx="3034580" cy="4438087"/>
+            <a:off x="604397" y="47711"/>
+            <a:ext cx="10131425" cy="1456267"/>
           </a:xfrm>
         </p:spPr>
         <p:txBody>
-          <a:bodyPr anchor="ctr">
-            <a:normAutofit/>
-          </a:bodyPr>
+          <a:bodyPr/>
           <a:lstStyle/>
           <a:p>
-            <a:pPr algn="r"/>
-            <a:r>
-              <a:rPr kumimoji="1" lang="ja-JP" altLang="en-US" sz="3200">
-                <a:solidFill>
-                  <a:schemeClr val="tx1"/>
-                </a:solidFill>
-              </a:rPr>
-              <a:t>作ってみてどうだったか</a:t>
+            <a:r>
+              <a:rPr kumimoji="1" lang="ja-JP" altLang="en-US" dirty="0"/>
+              <a:t>イメージ図</a:t>
             </a:r>
           </a:p>
         </p:txBody>
       </p:sp>
-      <p:sp>
-        <p:nvSpPr>
-          <p:cNvPr id="17" name="コンテンツ プレースホルダー 2">
+      <p:pic>
+        <p:nvPicPr>
+          <p:cNvPr id="5" name="コンテンツ プレースホルダー 4">
             <a:extLst>
               <a:ext uri="{FF2B5EF4-FFF2-40B4-BE49-F238E27FC236}">
-                <a16:creationId xmlns:a16="http://schemas.microsoft.com/office/drawing/2014/main" id="{B067EBCF-1F37-CD84-1D71-EBBF6283B415}"/>
-              </a:ext>
-            </a:extLst>
-          </p:cNvPr>
-          <p:cNvSpPr>
-            <a:spLocks noGrp="1"/>
-          </p:cNvSpPr>
-          <p:nvPr>
-            <p:ph idx="1"/>
-          </p:nvPr>
-        </p:nvSpPr>
-        <p:spPr>
-          <a:xfrm>
-            <a:off x="4678424" y="1059025"/>
-            <a:ext cx="5302189" cy="4739950"/>
-          </a:xfrm>
-        </p:spPr>
-        <p:txBody>
-          <a:bodyPr anchor="ctr">
-            <a:normAutofit/>
-          </a:bodyPr>
-          <a:lstStyle/>
-          <a:p>
-            <a:endParaRPr lang="en-US" altLang="ja-JP">
-              <a:solidFill>
-                <a:schemeClr val="tx1"/>
-              </a:solidFill>
-            </a:endParaRPr>
-          </a:p>
-          <a:p>
-            <a:r>
-              <a:rPr lang="en-US" altLang="ja-JP">
-                <a:solidFill>
-                  <a:schemeClr val="tx1"/>
-                </a:solidFill>
-              </a:rPr>
-              <a:t>Html </a:t>
-            </a:r>
-            <a:r>
-              <a:rPr lang="ja-JP" altLang="en-US">
-                <a:solidFill>
-                  <a:schemeClr val="tx1"/>
-                </a:solidFill>
-              </a:rPr>
-              <a:t>のように、クラスで区切られており、思考の整理がしやすく思ったよりも作りやすかった。</a:t>
-            </a:r>
-            <a:endParaRPr lang="en-US" altLang="ja-JP">
-              <a:solidFill>
-                <a:schemeClr val="tx1"/>
-              </a:solidFill>
-            </a:endParaRPr>
-          </a:p>
-          <a:p>
-            <a:endParaRPr kumimoji="1" lang="en-US" altLang="ja-JP">
-              <a:solidFill>
-                <a:schemeClr val="tx1"/>
-              </a:solidFill>
-            </a:endParaRPr>
-          </a:p>
-          <a:p>
-            <a:r>
-              <a:rPr kumimoji="1" lang="ja-JP" altLang="en-US">
-                <a:solidFill>
-                  <a:schemeClr val="tx1"/>
-                </a:solidFill>
-              </a:rPr>
-              <a:t>ネットに解説がかなり載っており、調べながら進めるのが容易であり、上記のようにクラスごとの解説が多く、コード全部書き換えたりしないで済んで助かった。</a:t>
-            </a:r>
-            <a:endParaRPr kumimoji="1" lang="en-US" altLang="ja-JP">
-              <a:solidFill>
-                <a:schemeClr val="tx1"/>
-              </a:solidFill>
-            </a:endParaRPr>
-          </a:p>
-          <a:p>
-            <a:endParaRPr lang="en-US" altLang="ja-JP">
-              <a:solidFill>
-                <a:schemeClr val="tx1"/>
-              </a:solidFill>
-            </a:endParaRPr>
-          </a:p>
-          <a:p>
-            <a:pPr marL="0" indent="0">
-              <a:buNone/>
-            </a:pPr>
-            <a:endParaRPr kumimoji="1" lang="en-US" altLang="ja-JP">
-              <a:solidFill>
-                <a:schemeClr val="tx1"/>
-              </a:solidFill>
-            </a:endParaRPr>
-          </a:p>
-        </p:txBody>
-      </p:sp>
-      <p:cxnSp>
-        <p:nvCxnSpPr>
-          <p:cNvPr id="16" name="Straight Connector 15">
-            <a:extLst>
-              <a:ext uri="{FF2B5EF4-FFF2-40B4-BE49-F238E27FC236}">
-                <a16:creationId xmlns:a16="http://schemas.microsoft.com/office/drawing/2014/main" id="{AD23B2CD-009B-425A-9616-1E1AD1D5AB46}"/>
-              </a:ext>
-              <a:ext uri="{C183D7F6-B498-43B3-948B-1728B52AA6E4}">
-                <adec:decorative xmlns:adec="http://schemas.microsoft.com/office/drawing/2017/decorative" val="1"/>
-              </a:ext>
-            </a:extLst>
-          </p:cNvPr>
-          <p:cNvCxnSpPr>
-            <a:cxnSpLocks noGrp="1" noRot="1" noChangeAspect="1" noMove="1" noResize="1" noEditPoints="1" noAdjustHandles="1" noChangeArrowheads="1" noChangeShapeType="1"/>
-          </p:cNvCxnSpPr>
-          <p:nvPr>
-            <p:extLst>
-              <p:ext uri="{386F3935-93C4-4BCD-93E2-E3B085C9AB24}">
-                <p16:designElem xmlns:p16="http://schemas.microsoft.com/office/powerpoint/2015/main" val="1"/>
-              </p:ext>
-            </p:extLst>
-          </p:nvPr>
-        </p:nvCxnSpPr>
-        <p:spPr>
-          <a:xfrm>
-            <a:off x="4356687" y="1930986"/>
-            <a:ext cx="0" cy="3200400"/>
-          </a:xfrm>
-          <a:prstGeom prst="line">
-            <a:avLst/>
-          </a:prstGeom>
-          <a:ln w="15875" cap="sq">
-            <a:solidFill>
-              <a:schemeClr val="accent1">
-                <a:lumMod val="75000"/>
-              </a:schemeClr>
-            </a:solidFill>
-            <a:miter lim="800000"/>
-          </a:ln>
-        </p:spPr>
-        <p:style>
-          <a:lnRef idx="1">
-            <a:schemeClr val="accent1"/>
-          </a:lnRef>
-          <a:fillRef idx="0">
-            <a:schemeClr val="accent1"/>
-          </a:fillRef>
-          <a:effectRef idx="0">
-            <a:schemeClr val="accent1"/>
-          </a:effectRef>
-          <a:fontRef idx="minor">
-            <a:schemeClr val="tx1"/>
-          </a:fontRef>
-        </p:style>
-      </p:cxnSp>
-      <p:pic>
-        <p:nvPicPr>
-          <p:cNvPr id="4" name="図 3" descr="カレンダー, マップ">
-            <a:extLst>
-              <a:ext uri="{FF2B5EF4-FFF2-40B4-BE49-F238E27FC236}">
-                <a16:creationId xmlns:a16="http://schemas.microsoft.com/office/drawing/2014/main" id="{1B6946DE-8783-F761-9860-057856FA807B}"/>
+                <a16:creationId xmlns:a16="http://schemas.microsoft.com/office/drawing/2014/main" id="{96286D49-00D7-9C07-0E89-6E871C3F0A11}"/>
               </a:ext>
             </a:extLst>
           </p:cNvPr>
           <p:cNvPicPr>
-            <a:picLocks noChangeAspect="1"/>
+            <a:picLocks noGrp="1" noChangeAspect="1"/>
           </p:cNvPicPr>
-          <p:nvPr/>
+          <p:nvPr>
+            <p:ph idx="1"/>
+          </p:nvPr>
         </p:nvPicPr>
         <p:blipFill>
           <a:blip r:embed="rId2">
@@ -16513,26 +16243,84 @@
               </a:ext>
             </a:extLst>
           </a:blip>
-          <a:stretch>
-            <a:fillRect/>
-          </a:stretch>
+          <a:srcRect l="20954" r="20954"/>
+          <a:stretch/>
         </p:blipFill>
         <p:spPr>
           <a:xfrm>
-            <a:off x="535296" y="3959258"/>
-            <a:ext cx="4143128" cy="2791692"/>
+            <a:off x="0" y="1503978"/>
+            <a:ext cx="5421086" cy="5249247"/>
           </a:xfrm>
-          <a:prstGeom prst="rect">
+          <a:prstGeom prst="roundRect">
+            <a:avLst>
+              <a:gd name="adj" fmla="val 8594"/>
+            </a:avLst>
+          </a:prstGeom>
+          <a:solidFill>
+            <a:srgbClr val="FFFFFF">
+              <a:shade val="85000"/>
+            </a:srgbClr>
+          </a:solidFill>
+          <a:ln>
+            <a:noFill/>
+          </a:ln>
+          <a:effectLst>
+            <a:reflection blurRad="12700" stA="38000" endPos="28000" dist="5000" dir="5400000" sy="-100000" algn="bl" rotWithShape="0"/>
+          </a:effectLst>
+        </p:spPr>
+      </p:pic>
+      <p:sp>
+        <p:nvSpPr>
+          <p:cNvPr id="6" name="矢印: 右 5">
+            <a:extLst>
+              <a:ext uri="{FF2B5EF4-FFF2-40B4-BE49-F238E27FC236}">
+                <a16:creationId xmlns:a16="http://schemas.microsoft.com/office/drawing/2014/main" id="{7909FF76-CEEB-186B-60B0-983E15904240}"/>
+              </a:ext>
+            </a:extLst>
+          </p:cNvPr>
+          <p:cNvSpPr/>
+          <p:nvPr/>
+        </p:nvSpPr>
+        <p:spPr>
+          <a:xfrm>
+            <a:off x="5414865" y="3763595"/>
+            <a:ext cx="1014315" cy="1123950"/>
+          </a:xfrm>
+          <a:prstGeom prst="rightArrow">
             <a:avLst/>
           </a:prstGeom>
         </p:spPr>
-      </p:pic>
+        <p:style>
+          <a:lnRef idx="2">
+            <a:schemeClr val="accent1">
+              <a:shade val="15000"/>
+            </a:schemeClr>
+          </a:lnRef>
+          <a:fillRef idx="1">
+            <a:schemeClr val="accent1"/>
+          </a:fillRef>
+          <a:effectRef idx="0">
+            <a:schemeClr val="accent1"/>
+          </a:effectRef>
+          <a:fontRef idx="minor">
+            <a:schemeClr val="lt1"/>
+          </a:fontRef>
+        </p:style>
+        <p:txBody>
+          <a:bodyPr rtlCol="0" anchor="ctr"/>
+          <a:lstStyle/>
+          <a:p>
+            <a:pPr algn="ctr"/>
+            <a:endParaRPr kumimoji="1" lang="ja-JP" altLang="en-US"/>
+          </a:p>
+        </p:txBody>
+      </p:sp>
       <p:pic>
         <p:nvPicPr>
-          <p:cNvPr id="6" name="図 5" descr="テキスト が含まれている画像&#10;&#10;自動的に生成された説明">
+          <p:cNvPr id="8" name="図 7" descr="コンピューターのスクリーンショット&#10;&#10;自動的に生成された説明">
             <a:extLst>
               <a:ext uri="{FF2B5EF4-FFF2-40B4-BE49-F238E27FC236}">
-                <a16:creationId xmlns:a16="http://schemas.microsoft.com/office/drawing/2014/main" id="{5990D582-843D-15C5-ACA6-49FDB8ACA630}"/>
+                <a16:creationId xmlns:a16="http://schemas.microsoft.com/office/drawing/2014/main" id="{502B5480-A0E4-0230-7968-DAB331B2C4EB}"/>
               </a:ext>
             </a:extLst>
           </p:cNvPr>
@@ -16555,18 +16343,31 @@
         </p:blipFill>
         <p:spPr>
           <a:xfrm>
-            <a:off x="9045427" y="295631"/>
-            <a:ext cx="2907298" cy="1635355"/>
+            <a:off x="6366588" y="1503978"/>
+            <a:ext cx="5825412" cy="5393094"/>
           </a:xfrm>
-          <a:prstGeom prst="rect">
-            <a:avLst/>
+          <a:prstGeom prst="roundRect">
+            <a:avLst>
+              <a:gd name="adj" fmla="val 8594"/>
+            </a:avLst>
           </a:prstGeom>
+          <a:solidFill>
+            <a:srgbClr val="FFFFFF">
+              <a:shade val="85000"/>
+            </a:srgbClr>
+          </a:solidFill>
+          <a:ln>
+            <a:noFill/>
+          </a:ln>
+          <a:effectLst>
+            <a:reflection blurRad="12700" stA="38000" endPos="28000" dist="5000" dir="5400000" sy="-100000" algn="bl" rotWithShape="0"/>
+          </a:effectLst>
         </p:spPr>
       </p:pic>
     </p:spTree>
     <p:extLst>
       <p:ext uri="{BB962C8B-B14F-4D97-AF65-F5344CB8AC3E}">
-        <p14:creationId xmlns:p14="http://schemas.microsoft.com/office/powerpoint/2010/main" val="4077832062"/>
+        <p14:creationId xmlns:p14="http://schemas.microsoft.com/office/powerpoint/2010/main" val="2641125747"/>
       </p:ext>
     </p:extLst>
   </p:cSld>
@@ -16588,7 +16389,7 @@
 </p:sld>
 </file>
 
-<file path=ppt/slides/slide4.xml><?xml version="1.0" encoding="utf-8"?>
+<file path=ppt/slides/slide5.xml><?xml version="1.0" encoding="utf-8"?>
 <p:sld xmlns:a="http://schemas.openxmlformats.org/drawingml/2006/main" xmlns:r="http://schemas.openxmlformats.org/officeDocument/2006/relationships" xmlns:p="http://schemas.openxmlformats.org/presentationml/2006/main">
   <p:cSld>
     <p:bg>
@@ -17608,9 +17409,17 @@
 </p:sld>
 </file>
 
-<file path=ppt/slides/slide5.xml><?xml version="1.0" encoding="utf-8"?>
+<file path=ppt/slides/slide6.xml><?xml version="1.0" encoding="utf-8"?>
 <p:sld xmlns:a="http://schemas.openxmlformats.org/drawingml/2006/main" xmlns:r="http://schemas.openxmlformats.org/officeDocument/2006/relationships" xmlns:p="http://schemas.openxmlformats.org/presentationml/2006/main">
   <p:cSld>
+    <p:bg>
+      <p:bgPr>
+        <a:solidFill>
+          <a:schemeClr val="bg1"/>
+        </a:solidFill>
+        <a:effectLst/>
+      </p:bgPr>
+    </p:bg>
     <p:spTree>
       <p:nvGrpSpPr>
         <p:cNvPr id="1" name=""/>
@@ -17625,114 +17434,45 @@
           <a:chExt cx="0" cy="0"/>
         </a:xfrm>
       </p:grpSpPr>
-      <p:sp>
+      <p:sp useBgFill="1">
         <p:nvSpPr>
-          <p:cNvPr id="2" name="タイトル 1">
+          <p:cNvPr id="8" name="Rectangle 7">
             <a:extLst>
               <a:ext uri="{FF2B5EF4-FFF2-40B4-BE49-F238E27FC236}">
-                <a16:creationId xmlns:a16="http://schemas.microsoft.com/office/drawing/2014/main" id="{5C345A1B-5370-35AB-471A-18165BB922FC}"/>
+                <a16:creationId xmlns:a16="http://schemas.microsoft.com/office/drawing/2014/main" id="{B219AE65-9B94-44EA-BEF3-EF4BFA169C81}"/>
+              </a:ext>
+              <a:ext uri="{C183D7F6-B498-43B3-948B-1728B52AA6E4}">
+                <adec:decorative xmlns:adec="http://schemas.microsoft.com/office/drawing/2017/decorative" val="1"/>
               </a:ext>
             </a:extLst>
           </p:cNvPr>
           <p:cNvSpPr>
-            <a:spLocks noGrp="1"/>
+            <a:spLocks noGrp="1" noRot="1" noChangeAspect="1" noMove="1" noResize="1" noEditPoints="1" noAdjustHandles="1" noChangeArrowheads="1" noChangeShapeType="1" noTextEdit="1"/>
           </p:cNvSpPr>
           <p:nvPr>
-            <p:ph type="title"/>
+            <p:extLst>
+              <p:ext uri="{386F3935-93C4-4BCD-93E2-E3B085C9AB24}">
+                <p16:designElem xmlns:p16="http://schemas.microsoft.com/office/powerpoint/2015/main" val="1"/>
+              </p:ext>
+            </p:extLst>
           </p:nvPr>
         </p:nvSpPr>
         <p:spPr>
           <a:xfrm>
-            <a:off x="604397" y="47711"/>
-            <a:ext cx="10131425" cy="1456267"/>
+            <a:off x="0" y="0"/>
+            <a:ext cx="12192000" cy="6858000"/>
           </a:xfrm>
-        </p:spPr>
-        <p:txBody>
-          <a:bodyPr/>
-          <a:lstStyle/>
-          <a:p>
-            <a:r>
-              <a:rPr kumimoji="1" lang="ja-JP" altLang="en-US" dirty="0"/>
-              <a:t>イメージ図</a:t>
-            </a:r>
-          </a:p>
-        </p:txBody>
-      </p:sp>
-      <p:pic>
-        <p:nvPicPr>
-          <p:cNvPr id="5" name="コンテンツ プレースホルダー 4">
-            <a:extLst>
-              <a:ext uri="{FF2B5EF4-FFF2-40B4-BE49-F238E27FC236}">
-                <a16:creationId xmlns:a16="http://schemas.microsoft.com/office/drawing/2014/main" id="{96286D49-00D7-9C07-0E89-6E871C3F0A11}"/>
-              </a:ext>
-            </a:extLst>
-          </p:cNvPr>
-          <p:cNvPicPr>
-            <a:picLocks noGrp="1" noChangeAspect="1"/>
-          </p:cNvPicPr>
-          <p:nvPr>
-            <p:ph idx="1"/>
-          </p:nvPr>
-        </p:nvPicPr>
-        <p:blipFill>
-          <a:blip r:embed="rId2">
-            <a:extLst>
-              <a:ext uri="{28A0092B-C50C-407E-A947-70E740481C1C}">
-                <a14:useLocalDpi xmlns:a14="http://schemas.microsoft.com/office/drawing/2010/main" val="0"/>
-              </a:ext>
-            </a:extLst>
-          </a:blip>
-          <a:srcRect l="20954" r="20954"/>
-          <a:stretch/>
-        </p:blipFill>
-        <p:spPr>
-          <a:xfrm>
-            <a:off x="0" y="1503978"/>
-            <a:ext cx="5421086" cy="5249247"/>
-          </a:xfrm>
-          <a:prstGeom prst="roundRect">
-            <a:avLst>
-              <a:gd name="adj" fmla="val 8594"/>
-            </a:avLst>
+          <a:prstGeom prst="rect">
+            <a:avLst/>
           </a:prstGeom>
-          <a:solidFill>
-            <a:srgbClr val="FFFFFF">
-              <a:shade val="85000"/>
-            </a:srgbClr>
-          </a:solidFill>
           <a:ln>
             <a:noFill/>
           </a:ln>
-          <a:effectLst>
-            <a:reflection blurRad="12700" stA="38000" endPos="28000" dist="5000" dir="5400000" sy="-100000" algn="bl" rotWithShape="0"/>
-          </a:effectLst>
-        </p:spPr>
-      </p:pic>
-      <p:sp>
-        <p:nvSpPr>
-          <p:cNvPr id="6" name="矢印: 右 5">
-            <a:extLst>
-              <a:ext uri="{FF2B5EF4-FFF2-40B4-BE49-F238E27FC236}">
-                <a16:creationId xmlns:a16="http://schemas.microsoft.com/office/drawing/2014/main" id="{7909FF76-CEEB-186B-60B0-983E15904240}"/>
-              </a:ext>
-            </a:extLst>
-          </p:cNvPr>
-          <p:cNvSpPr/>
-          <p:nvPr/>
-        </p:nvSpPr>
-        <p:spPr>
-          <a:xfrm>
-            <a:off x="5414865" y="3763595"/>
-            <a:ext cx="1014315" cy="1123950"/>
-          </a:xfrm>
-          <a:prstGeom prst="rightArrow">
-            <a:avLst/>
-          </a:prstGeom>
         </p:spPr>
         <p:style>
           <a:lnRef idx="2">
             <a:schemeClr val="accent1">
-              <a:shade val="15000"/>
+              <a:shade val="50000"/>
             </a:schemeClr>
           </a:lnRef>
           <a:fillRef idx="1">
@@ -17750,16 +17490,502 @@
           <a:lstStyle/>
           <a:p>
             <a:pPr algn="ctr"/>
-            <a:endParaRPr kumimoji="1" lang="ja-JP" altLang="en-US"/>
+            <a:endParaRPr lang="en-US"/>
           </a:p>
         </p:txBody>
       </p:sp>
+      <p:sp>
+        <p:nvSpPr>
+          <p:cNvPr id="10" name="Rectangle 9">
+            <a:extLst>
+              <a:ext uri="{FF2B5EF4-FFF2-40B4-BE49-F238E27FC236}">
+                <a16:creationId xmlns:a16="http://schemas.microsoft.com/office/drawing/2014/main" id="{F0C81A57-9CD5-461B-8FFE-4A8CB6CFBE01}"/>
+              </a:ext>
+              <a:ext uri="{C183D7F6-B498-43B3-948B-1728B52AA6E4}">
+                <adec:decorative xmlns:adec="http://schemas.microsoft.com/office/drawing/2017/decorative" val="1"/>
+              </a:ext>
+            </a:extLst>
+          </p:cNvPr>
+          <p:cNvSpPr>
+            <a:spLocks noGrp="1" noRot="1" noChangeAspect="1" noMove="1" noResize="1" noEditPoints="1" noAdjustHandles="1" noChangeArrowheads="1" noChangeShapeType="1" noTextEdit="1"/>
+          </p:cNvSpPr>
+          <p:nvPr>
+            <p:extLst>
+              <p:ext uri="{386F3935-93C4-4BCD-93E2-E3B085C9AB24}">
+                <p16:designElem xmlns:p16="http://schemas.microsoft.com/office/powerpoint/2015/main" val="1"/>
+              </p:ext>
+            </p:extLst>
+          </p:nvPr>
+        </p:nvSpPr>
+        <p:spPr>
+          <a:xfrm>
+            <a:off x="11017539" y="467397"/>
+            <a:ext cx="695829" cy="5919116"/>
+          </a:xfrm>
+          <a:prstGeom prst="rect">
+            <a:avLst/>
+          </a:prstGeom>
+          <a:solidFill>
+            <a:schemeClr val="accent1"/>
+          </a:solidFill>
+          <a:ln>
+            <a:noFill/>
+          </a:ln>
+          <a:effectLst/>
+        </p:spPr>
+        <p:style>
+          <a:lnRef idx="1">
+            <a:schemeClr val="accent1"/>
+          </a:lnRef>
+          <a:fillRef idx="3">
+            <a:schemeClr val="accent1"/>
+          </a:fillRef>
+          <a:effectRef idx="2">
+            <a:schemeClr val="accent1"/>
+          </a:effectRef>
+          <a:fontRef idx="minor">
+            <a:schemeClr val="lt1"/>
+          </a:fontRef>
+        </p:style>
+        <p:txBody>
+          <a:bodyPr/>
+          <a:lstStyle/>
+          <a:p>
+            <a:endParaRPr lang="ja-JP" altLang="en-US"/>
+          </a:p>
+        </p:txBody>
+      </p:sp>
+      <p:grpSp>
+        <p:nvGrpSpPr>
+          <p:cNvPr id="12" name="Group 11">
+            <a:extLst>
+              <a:ext uri="{FF2B5EF4-FFF2-40B4-BE49-F238E27FC236}">
+                <a16:creationId xmlns:a16="http://schemas.microsoft.com/office/drawing/2014/main" id="{3086C462-37F4-494D-8292-CCB95221CC1A}"/>
+              </a:ext>
+              <a:ext uri="{C183D7F6-B498-43B3-948B-1728B52AA6E4}">
+                <adec:decorative xmlns:adec="http://schemas.microsoft.com/office/drawing/2017/decorative" val="1"/>
+              </a:ext>
+            </a:extLst>
+          </p:cNvPr>
+          <p:cNvGrpSpPr>
+            <a:grpSpLocks noGrp="1" noUngrp="1" noRot="1" noChangeAspect="1" noMove="1" noResize="1"/>
+          </p:cNvGrpSpPr>
+          <p:nvPr>
+            <p:extLst>
+              <p:ext uri="{386F3935-93C4-4BCD-93E2-E3B085C9AB24}">
+                <p16:designElem xmlns:p16="http://schemas.microsoft.com/office/powerpoint/2015/main" val="1"/>
+              </p:ext>
+            </p:extLst>
+          </p:nvPr>
+        </p:nvGrpSpPr>
+        <p:grpSpPr>
+          <a:xfrm>
+            <a:off x="0" y="0"/>
+            <a:ext cx="12192000" cy="6858000"/>
+            <a:chOff x="0" y="0"/>
+            <a:chExt cx="12192000" cy="6858000"/>
+          </a:xfrm>
+          <a:solidFill>
+            <a:srgbClr val="FFFFFF"/>
+          </a:solidFill>
+        </p:grpSpPr>
+        <p:sp>
+          <p:nvSpPr>
+            <p:cNvPr id="15" name="Rectangle 12">
+              <a:extLst>
+                <a:ext uri="{FF2B5EF4-FFF2-40B4-BE49-F238E27FC236}">
+                  <a16:creationId xmlns:a16="http://schemas.microsoft.com/office/drawing/2014/main" id="{2C7D2D64-353F-4802-AA48-A70CE6020B93}"/>
+                </a:ext>
+                <a:ext uri="{C183D7F6-B498-43B3-948B-1728B52AA6E4}">
+                  <adec:decorative xmlns:adec="http://schemas.microsoft.com/office/drawing/2017/decorative" val="1"/>
+                </a:ext>
+              </a:extLst>
+            </p:cNvPr>
+            <p:cNvSpPr/>
+            <p:nvPr>
+              <p:extLst>
+                <p:ext uri="{386F3935-93C4-4BCD-93E2-E3B085C9AB24}">
+                  <p16:designElem xmlns:p16="http://schemas.microsoft.com/office/powerpoint/2015/main" val="1"/>
+                </p:ext>
+              </p:extLst>
+            </p:nvPr>
+          </p:nvSpPr>
+          <p:spPr>
+            <a:xfrm>
+              <a:off x="0" y="0"/>
+              <a:ext cx="12192000" cy="6858000"/>
+            </a:xfrm>
+            <a:prstGeom prst="rect">
+              <a:avLst/>
+            </a:prstGeom>
+            <a:noFill/>
+            <a:ln>
+              <a:noFill/>
+            </a:ln>
+          </p:spPr>
+          <p:style>
+            <a:lnRef idx="2">
+              <a:schemeClr val="accent1">
+                <a:shade val="50000"/>
+              </a:schemeClr>
+            </a:lnRef>
+            <a:fillRef idx="1">
+              <a:schemeClr val="accent1"/>
+            </a:fillRef>
+            <a:effectRef idx="0">
+              <a:schemeClr val="accent1"/>
+            </a:effectRef>
+            <a:fontRef idx="minor">
+              <a:schemeClr val="lt1"/>
+            </a:fontRef>
+          </p:style>
+          <p:txBody>
+            <a:bodyPr/>
+            <a:lstStyle/>
+            <a:p>
+              <a:endParaRPr lang="ja-JP" altLang="en-US"/>
+            </a:p>
+          </p:txBody>
+        </p:sp>
+        <p:sp>
+          <p:nvSpPr>
+            <p:cNvPr id="14" name="Freeform 5">
+              <a:extLst>
+                <a:ext uri="{FF2B5EF4-FFF2-40B4-BE49-F238E27FC236}">
+                  <a16:creationId xmlns:a16="http://schemas.microsoft.com/office/drawing/2014/main" id="{30A6328F-CAA3-4052-BF4C-14BD47706E65}"/>
+                </a:ext>
+                <a:ext uri="{C183D7F6-B498-43B3-948B-1728B52AA6E4}">
+                  <adec:decorative xmlns:adec="http://schemas.microsoft.com/office/drawing/2017/decorative" val="1"/>
+                </a:ext>
+              </a:extLst>
+            </p:cNvPr>
+            <p:cNvSpPr>
+              <a:spLocks noEditPoints="1"/>
+            </p:cNvSpPr>
+            <p:nvPr>
+              <p:extLst>
+                <p:ext uri="{386F3935-93C4-4BCD-93E2-E3B085C9AB24}">
+                  <p16:designElem xmlns:p16="http://schemas.microsoft.com/office/powerpoint/2015/main" val="1"/>
+                </p:ext>
+              </p:extLst>
+            </p:nvPr>
+          </p:nvSpPr>
+          <p:spPr bwMode="gray">
+            <a:xfrm>
+              <a:off x="0" y="1587"/>
+              <a:ext cx="12192000" cy="6856413"/>
+            </a:xfrm>
+            <a:custGeom>
+              <a:avLst/>
+              <a:gdLst/>
+              <a:ahLst/>
+              <a:cxnLst/>
+              <a:rect l="0" t="0" r="r" b="b"/>
+              <a:pathLst>
+                <a:path w="15356" h="8638">
+                  <a:moveTo>
+                    <a:pt x="0" y="0"/>
+                  </a:moveTo>
+                  <a:lnTo>
+                    <a:pt x="0" y="8638"/>
+                  </a:lnTo>
+                  <a:lnTo>
+                    <a:pt x="15356" y="8638"/>
+                  </a:lnTo>
+                  <a:lnTo>
+                    <a:pt x="15356" y="0"/>
+                  </a:lnTo>
+                  <a:lnTo>
+                    <a:pt x="0" y="0"/>
+                  </a:lnTo>
+                  <a:close/>
+                  <a:moveTo>
+                    <a:pt x="14748" y="8038"/>
+                  </a:moveTo>
+                  <a:lnTo>
+                    <a:pt x="600" y="8038"/>
+                  </a:lnTo>
+                  <a:lnTo>
+                    <a:pt x="600" y="592"/>
+                  </a:lnTo>
+                  <a:lnTo>
+                    <a:pt x="14748" y="592"/>
+                  </a:lnTo>
+                  <a:lnTo>
+                    <a:pt x="14748" y="8038"/>
+                  </a:lnTo>
+                  <a:close/>
+                </a:path>
+              </a:pathLst>
+            </a:custGeom>
+            <a:ln>
+              <a:noFill/>
+            </a:ln>
+          </p:spPr>
+          <p:style>
+            <a:lnRef idx="0">
+              <a:scrgbClr r="0" g="0" b="0"/>
+            </a:lnRef>
+            <a:fillRef idx="1002">
+              <a:schemeClr val="dk2"/>
+            </a:fillRef>
+            <a:effectRef idx="0">
+              <a:scrgbClr r="0" g="0" b="0"/>
+            </a:effectRef>
+            <a:fontRef idx="major"/>
+          </p:style>
+          <p:txBody>
+            <a:bodyPr/>
+            <a:lstStyle/>
+            <a:p>
+              <a:endParaRPr lang="ja-JP" altLang="en-US"/>
+            </a:p>
+          </p:txBody>
+        </p:sp>
+      </p:grpSp>
+      <p:sp>
+        <p:nvSpPr>
+          <p:cNvPr id="2" name="タイトル 1">
+            <a:extLst>
+              <a:ext uri="{FF2B5EF4-FFF2-40B4-BE49-F238E27FC236}">
+                <a16:creationId xmlns:a16="http://schemas.microsoft.com/office/drawing/2014/main" id="{4E7E5B88-2B32-7A5D-3BCC-6BD3D0908475}"/>
+              </a:ext>
+            </a:extLst>
+          </p:cNvPr>
+          <p:cNvSpPr>
+            <a:spLocks noGrp="1"/>
+          </p:cNvSpPr>
+          <p:nvPr>
+            <p:ph type="title"/>
+          </p:nvPr>
+        </p:nvSpPr>
+        <p:spPr>
+          <a:xfrm>
+            <a:off x="1000372" y="1209957"/>
+            <a:ext cx="3034580" cy="4438087"/>
+          </a:xfrm>
+        </p:spPr>
+        <p:txBody>
+          <a:bodyPr anchor="ctr">
+            <a:normAutofit/>
+          </a:bodyPr>
+          <a:lstStyle/>
+          <a:p>
+            <a:pPr algn="r"/>
+            <a:r>
+              <a:rPr kumimoji="1" lang="ja-JP" altLang="en-US" sz="3200">
+                <a:solidFill>
+                  <a:schemeClr val="tx1"/>
+                </a:solidFill>
+              </a:rPr>
+              <a:t>作ってみてどうだったか</a:t>
+            </a:r>
+          </a:p>
+        </p:txBody>
+      </p:sp>
+      <p:sp>
+        <p:nvSpPr>
+          <p:cNvPr id="17" name="コンテンツ プレースホルダー 2">
+            <a:extLst>
+              <a:ext uri="{FF2B5EF4-FFF2-40B4-BE49-F238E27FC236}">
+                <a16:creationId xmlns:a16="http://schemas.microsoft.com/office/drawing/2014/main" id="{B067EBCF-1F37-CD84-1D71-EBBF6283B415}"/>
+              </a:ext>
+            </a:extLst>
+          </p:cNvPr>
+          <p:cNvSpPr>
+            <a:spLocks noGrp="1"/>
+          </p:cNvSpPr>
+          <p:nvPr>
+            <p:ph idx="1"/>
+          </p:nvPr>
+        </p:nvSpPr>
+        <p:spPr>
+          <a:xfrm>
+            <a:off x="4678424" y="1059025"/>
+            <a:ext cx="5302189" cy="4739950"/>
+          </a:xfrm>
+        </p:spPr>
+        <p:txBody>
+          <a:bodyPr anchor="ctr">
+            <a:normAutofit/>
+          </a:bodyPr>
+          <a:lstStyle/>
+          <a:p>
+            <a:endParaRPr lang="en-US" altLang="ja-JP" dirty="0">
+              <a:solidFill>
+                <a:schemeClr val="tx1"/>
+              </a:solidFill>
+            </a:endParaRPr>
+          </a:p>
+          <a:p>
+            <a:r>
+              <a:rPr lang="en-US" altLang="ja-JP" dirty="0">
+                <a:solidFill>
+                  <a:schemeClr val="tx1"/>
+                </a:solidFill>
+              </a:rPr>
+              <a:t>Html </a:t>
+            </a:r>
+            <a:r>
+              <a:rPr lang="ja-JP" altLang="en-US" dirty="0">
+                <a:solidFill>
+                  <a:schemeClr val="tx1"/>
+                </a:solidFill>
+              </a:rPr>
+              <a:t>のように、クラスで区切られており、思考の整理がしやすく思ったよりも作りやすかった。</a:t>
+            </a:r>
+            <a:endParaRPr lang="en-US" altLang="ja-JP" dirty="0">
+              <a:solidFill>
+                <a:schemeClr val="tx1"/>
+              </a:solidFill>
+            </a:endParaRPr>
+          </a:p>
+          <a:p>
+            <a:endParaRPr kumimoji="1" lang="en-US" altLang="ja-JP" dirty="0">
+              <a:solidFill>
+                <a:schemeClr val="tx1"/>
+              </a:solidFill>
+            </a:endParaRPr>
+          </a:p>
+          <a:p>
+            <a:r>
+              <a:rPr kumimoji="1" lang="ja-JP" altLang="en-US" dirty="0">
+                <a:solidFill>
+                  <a:schemeClr val="tx1"/>
+                </a:solidFill>
+              </a:rPr>
+              <a:t>ネットに解説がかなり載っており、調べながら進めるのが容易であり、上記のようにクラスごとの解説が多く、コード全部書き換えたりしないで済んで助かった。</a:t>
+            </a:r>
+            <a:endParaRPr kumimoji="1" lang="en-US" altLang="ja-JP" dirty="0">
+              <a:solidFill>
+                <a:schemeClr val="tx1"/>
+              </a:solidFill>
+            </a:endParaRPr>
+          </a:p>
+          <a:p>
+            <a:endParaRPr lang="en-US" altLang="ja-JP" dirty="0">
+              <a:solidFill>
+                <a:schemeClr val="tx1"/>
+              </a:solidFill>
+            </a:endParaRPr>
+          </a:p>
+          <a:p>
+            <a:pPr marL="0" indent="0">
+              <a:buNone/>
+            </a:pPr>
+            <a:r>
+              <a:rPr kumimoji="1" lang="ja-JP" altLang="en-US" dirty="0">
+                <a:solidFill>
+                  <a:schemeClr val="tx1"/>
+                </a:solidFill>
+              </a:rPr>
+              <a:t>雑誌の付録ページより少なくなってしまった。</a:t>
+            </a:r>
+            <a:endParaRPr kumimoji="1" lang="en-US" altLang="ja-JP" dirty="0">
+              <a:solidFill>
+                <a:schemeClr val="tx1"/>
+              </a:solidFill>
+            </a:endParaRPr>
+          </a:p>
+        </p:txBody>
+      </p:sp>
+      <p:cxnSp>
+        <p:nvCxnSpPr>
+          <p:cNvPr id="16" name="Straight Connector 15">
+            <a:extLst>
+              <a:ext uri="{FF2B5EF4-FFF2-40B4-BE49-F238E27FC236}">
+                <a16:creationId xmlns:a16="http://schemas.microsoft.com/office/drawing/2014/main" id="{AD23B2CD-009B-425A-9616-1E1AD1D5AB46}"/>
+              </a:ext>
+              <a:ext uri="{C183D7F6-B498-43B3-948B-1728B52AA6E4}">
+                <adec:decorative xmlns:adec="http://schemas.microsoft.com/office/drawing/2017/decorative" val="1"/>
+              </a:ext>
+            </a:extLst>
+          </p:cNvPr>
+          <p:cNvCxnSpPr>
+            <a:cxnSpLocks noGrp="1" noRot="1" noChangeAspect="1" noMove="1" noResize="1" noEditPoints="1" noAdjustHandles="1" noChangeArrowheads="1" noChangeShapeType="1"/>
+          </p:cNvCxnSpPr>
+          <p:nvPr>
+            <p:extLst>
+              <p:ext uri="{386F3935-93C4-4BCD-93E2-E3B085C9AB24}">
+                <p16:designElem xmlns:p16="http://schemas.microsoft.com/office/powerpoint/2015/main" val="1"/>
+              </p:ext>
+            </p:extLst>
+          </p:nvPr>
+        </p:nvCxnSpPr>
+        <p:spPr>
+          <a:xfrm>
+            <a:off x="4356687" y="1930986"/>
+            <a:ext cx="0" cy="3200400"/>
+          </a:xfrm>
+          <a:prstGeom prst="line">
+            <a:avLst/>
+          </a:prstGeom>
+          <a:ln w="15875" cap="sq">
+            <a:solidFill>
+              <a:schemeClr val="accent1">
+                <a:lumMod val="75000"/>
+              </a:schemeClr>
+            </a:solidFill>
+            <a:miter lim="800000"/>
+          </a:ln>
+        </p:spPr>
+        <p:style>
+          <a:lnRef idx="1">
+            <a:schemeClr val="accent1"/>
+          </a:lnRef>
+          <a:fillRef idx="0">
+            <a:schemeClr val="accent1"/>
+          </a:fillRef>
+          <a:effectRef idx="0">
+            <a:schemeClr val="accent1"/>
+          </a:effectRef>
+          <a:fontRef idx="minor">
+            <a:schemeClr val="tx1"/>
+          </a:fontRef>
+        </p:style>
+      </p:cxnSp>
       <p:pic>
         <p:nvPicPr>
-          <p:cNvPr id="8" name="図 7" descr="コンピューターのスクリーンショット&#10;&#10;自動的に生成された説明">
+          <p:cNvPr id="4" name="図 3" descr="カレンダー, マップ">
             <a:extLst>
               <a:ext uri="{FF2B5EF4-FFF2-40B4-BE49-F238E27FC236}">
-                <a16:creationId xmlns:a16="http://schemas.microsoft.com/office/drawing/2014/main" id="{502B5480-A0E4-0230-7968-DAB331B2C4EB}"/>
+                <a16:creationId xmlns:a16="http://schemas.microsoft.com/office/drawing/2014/main" id="{1B6946DE-8783-F761-9860-057856FA807B}"/>
+              </a:ext>
+            </a:extLst>
+          </p:cNvPr>
+          <p:cNvPicPr>
+            <a:picLocks noChangeAspect="1"/>
+          </p:cNvPicPr>
+          <p:nvPr/>
+        </p:nvPicPr>
+        <p:blipFill>
+          <a:blip r:embed="rId2">
+            <a:extLst>
+              <a:ext uri="{28A0092B-C50C-407E-A947-70E740481C1C}">
+                <a14:useLocalDpi xmlns:a14="http://schemas.microsoft.com/office/drawing/2010/main" val="0"/>
+              </a:ext>
+            </a:extLst>
+          </a:blip>
+          <a:stretch>
+            <a:fillRect/>
+          </a:stretch>
+        </p:blipFill>
+        <p:spPr>
+          <a:xfrm>
+            <a:off x="213559" y="3928678"/>
+            <a:ext cx="4143128" cy="2791692"/>
+          </a:xfrm>
+          <a:prstGeom prst="rect">
+            <a:avLst/>
+          </a:prstGeom>
+        </p:spPr>
+      </p:pic>
+      <p:pic>
+        <p:nvPicPr>
+          <p:cNvPr id="6" name="図 5" descr="テキスト が含まれている画像&#10;&#10;自動的に生成された説明">
+            <a:extLst>
+              <a:ext uri="{FF2B5EF4-FFF2-40B4-BE49-F238E27FC236}">
+                <a16:creationId xmlns:a16="http://schemas.microsoft.com/office/drawing/2014/main" id="{5990D582-843D-15C5-ACA6-49FDB8ACA630}"/>
               </a:ext>
             </a:extLst>
           </p:cNvPr>
@@ -17782,31 +18008,18 @@
         </p:blipFill>
         <p:spPr>
           <a:xfrm>
-            <a:off x="6366588" y="1503978"/>
-            <a:ext cx="5825412" cy="5393094"/>
+            <a:off x="9045427" y="295631"/>
+            <a:ext cx="2907298" cy="1635355"/>
           </a:xfrm>
-          <a:prstGeom prst="roundRect">
-            <a:avLst>
-              <a:gd name="adj" fmla="val 8594"/>
-            </a:avLst>
+          <a:prstGeom prst="rect">
+            <a:avLst/>
           </a:prstGeom>
-          <a:solidFill>
-            <a:srgbClr val="FFFFFF">
-              <a:shade val="85000"/>
-            </a:srgbClr>
-          </a:solidFill>
-          <a:ln>
-            <a:noFill/>
-          </a:ln>
-          <a:effectLst>
-            <a:reflection blurRad="12700" stA="38000" endPos="28000" dist="5000" dir="5400000" sy="-100000" algn="bl" rotWithShape="0"/>
-          </a:effectLst>
         </p:spPr>
       </p:pic>
     </p:spTree>
     <p:extLst>
       <p:ext uri="{BB962C8B-B14F-4D97-AF65-F5344CB8AC3E}">
-        <p14:creationId xmlns:p14="http://schemas.microsoft.com/office/powerpoint/2010/main" val="2641125747"/>
+        <p14:creationId xmlns:p14="http://schemas.microsoft.com/office/powerpoint/2010/main" val="4077832062"/>
       </p:ext>
     </p:extLst>
   </p:cSld>
@@ -17828,7 +18041,7 @@
 </p:sld>
 </file>
 
-<file path=ppt/slides/slide6.xml><?xml version="1.0" encoding="utf-8"?>
+<file path=ppt/slides/slide7.xml><?xml version="1.0" encoding="utf-8"?>
 <p:sld xmlns:a="http://schemas.openxmlformats.org/drawingml/2006/main" xmlns:r="http://schemas.openxmlformats.org/officeDocument/2006/relationships" xmlns:p="http://schemas.openxmlformats.org/presentationml/2006/main">
   <p:cSld>
     <p:spTree>

--- a/プレゼン資料/ぱわぽ.pptx
+++ b/プレゼン資料/ぱわぽ.pptx
@@ -3466,7 +3466,7 @@
           <a:p>
             <a:fld id="{EE1801F8-EED5-448C-B060-2F76C646BBD2}" type="datetimeFigureOut">
               <a:rPr kumimoji="1" lang="ja-JP" altLang="en-US" smtClean="0"/>
-              <a:t>2024/1/17</a:t>
+              <a:t>2024/1/24</a:t>
             </a:fld>
             <a:endParaRPr kumimoji="1" lang="ja-JP" altLang="en-US"/>
           </a:p>
@@ -4448,7 +4448,7 @@
           <a:p>
             <a:fld id="{EE1801F8-EED5-448C-B060-2F76C646BBD2}" type="datetimeFigureOut">
               <a:rPr kumimoji="1" lang="ja-JP" altLang="en-US" smtClean="0"/>
-              <a:t>2024/1/17</a:t>
+              <a:t>2024/1/24</a:t>
             </a:fld>
             <a:endParaRPr kumimoji="1" lang="ja-JP" altLang="en-US"/>
           </a:p>
@@ -5318,7 +5318,7 @@
           <a:p>
             <a:fld id="{EE1801F8-EED5-448C-B060-2F76C646BBD2}" type="datetimeFigureOut">
               <a:rPr kumimoji="1" lang="ja-JP" altLang="en-US" smtClean="0"/>
-              <a:t>2024/1/17</a:t>
+              <a:t>2024/1/24</a:t>
             </a:fld>
             <a:endParaRPr kumimoji="1" lang="ja-JP" altLang="en-US"/>
           </a:p>
@@ -6339,7 +6339,7 @@
           <a:p>
             <a:fld id="{EE1801F8-EED5-448C-B060-2F76C646BBD2}" type="datetimeFigureOut">
               <a:rPr kumimoji="1" lang="ja-JP" altLang="en-US" smtClean="0"/>
-              <a:t>2024/1/17</a:t>
+              <a:t>2024/1/24</a:t>
             </a:fld>
             <a:endParaRPr kumimoji="1" lang="ja-JP" altLang="en-US"/>
           </a:p>
@@ -7259,7 +7259,7 @@
           <a:p>
             <a:fld id="{EE1801F8-EED5-448C-B060-2F76C646BBD2}" type="datetimeFigureOut">
               <a:rPr kumimoji="1" lang="ja-JP" altLang="en-US" smtClean="0"/>
-              <a:t>2024/1/17</a:t>
+              <a:t>2024/1/24</a:t>
             </a:fld>
             <a:endParaRPr kumimoji="1" lang="ja-JP" altLang="en-US"/>
           </a:p>
@@ -7915,7 +7915,7 @@
           <a:p>
             <a:fld id="{EE1801F8-EED5-448C-B060-2F76C646BBD2}" type="datetimeFigureOut">
               <a:rPr kumimoji="1" lang="ja-JP" altLang="en-US" smtClean="0"/>
-              <a:t>2024/1/17</a:t>
+              <a:t>2024/1/24</a:t>
             </a:fld>
             <a:endParaRPr kumimoji="1" lang="ja-JP" altLang="en-US"/>
           </a:p>
@@ -8772,7 +8772,7 @@
           <a:p>
             <a:fld id="{EE1801F8-EED5-448C-B060-2F76C646BBD2}" type="datetimeFigureOut">
               <a:rPr kumimoji="1" lang="ja-JP" altLang="en-US" smtClean="0"/>
-              <a:t>2024/1/17</a:t>
+              <a:t>2024/1/24</a:t>
             </a:fld>
             <a:endParaRPr kumimoji="1" lang="ja-JP" altLang="en-US"/>
           </a:p>
@@ -8987,7 +8987,7 @@
           <a:p>
             <a:fld id="{EE1801F8-EED5-448C-B060-2F76C646BBD2}" type="datetimeFigureOut">
               <a:rPr kumimoji="1" lang="ja-JP" altLang="en-US" smtClean="0"/>
-              <a:t>2024/1/17</a:t>
+              <a:t>2024/1/24</a:t>
             </a:fld>
             <a:endParaRPr kumimoji="1" lang="ja-JP" altLang="en-US"/>
           </a:p>
@@ -9876,7 +9876,7 @@
           <a:p>
             <a:fld id="{EE1801F8-EED5-448C-B060-2F76C646BBD2}" type="datetimeFigureOut">
               <a:rPr kumimoji="1" lang="ja-JP" altLang="en-US" smtClean="0"/>
-              <a:t>2024/1/17</a:t>
+              <a:t>2024/1/24</a:t>
             </a:fld>
             <a:endParaRPr kumimoji="1" lang="ja-JP" altLang="en-US"/>
           </a:p>
@@ -10127,7 +10127,7 @@
           <a:p>
             <a:fld id="{EE1801F8-EED5-448C-B060-2F76C646BBD2}" type="datetimeFigureOut">
               <a:rPr kumimoji="1" lang="ja-JP" altLang="en-US" smtClean="0"/>
-              <a:t>2024/1/17</a:t>
+              <a:t>2024/1/24</a:t>
             </a:fld>
             <a:endParaRPr kumimoji="1" lang="ja-JP" altLang="en-US"/>
           </a:p>
@@ -11052,7 +11052,7 @@
           <a:p>
             <a:fld id="{EE1801F8-EED5-448C-B060-2F76C646BBD2}" type="datetimeFigureOut">
               <a:rPr kumimoji="1" lang="ja-JP" altLang="en-US" smtClean="0"/>
-              <a:t>2024/1/17</a:t>
+              <a:t>2024/1/24</a:t>
             </a:fld>
             <a:endParaRPr kumimoji="1" lang="ja-JP" altLang="en-US"/>
           </a:p>
@@ -11400,7 +11400,7 @@
           <a:p>
             <a:fld id="{EE1801F8-EED5-448C-B060-2F76C646BBD2}" type="datetimeFigureOut">
               <a:rPr kumimoji="1" lang="ja-JP" altLang="en-US" smtClean="0"/>
-              <a:t>2024/1/17</a:t>
+              <a:t>2024/1/24</a:t>
             </a:fld>
             <a:endParaRPr kumimoji="1" lang="ja-JP" altLang="en-US"/>
           </a:p>
@@ -11854,7 +11854,7 @@
           <a:p>
             <a:fld id="{EE1801F8-EED5-448C-B060-2F76C646BBD2}" type="datetimeFigureOut">
               <a:rPr kumimoji="1" lang="ja-JP" altLang="en-US" smtClean="0"/>
-              <a:t>2024/1/17</a:t>
+              <a:t>2024/1/24</a:t>
             </a:fld>
             <a:endParaRPr kumimoji="1" lang="ja-JP" altLang="en-US"/>
           </a:p>
@@ -11980,7 +11980,7 @@
           <a:p>
             <a:fld id="{EE1801F8-EED5-448C-B060-2F76C646BBD2}" type="datetimeFigureOut">
               <a:rPr kumimoji="1" lang="ja-JP" altLang="en-US" smtClean="0"/>
-              <a:t>2024/1/17</a:t>
+              <a:t>2024/1/24</a:t>
             </a:fld>
             <a:endParaRPr kumimoji="1" lang="ja-JP" altLang="en-US"/>
           </a:p>
@@ -12075,7 +12075,7 @@
           <a:p>
             <a:fld id="{EE1801F8-EED5-448C-B060-2F76C646BBD2}" type="datetimeFigureOut">
               <a:rPr kumimoji="1" lang="ja-JP" altLang="en-US" smtClean="0"/>
-              <a:t>2024/1/17</a:t>
+              <a:t>2024/1/24</a:t>
             </a:fld>
             <a:endParaRPr kumimoji="1" lang="ja-JP" altLang="en-US"/>
           </a:p>
@@ -13078,7 +13078,7 @@
           <a:p>
             <a:fld id="{EE1801F8-EED5-448C-B060-2F76C646BBD2}" type="datetimeFigureOut">
               <a:rPr kumimoji="1" lang="ja-JP" altLang="en-US" smtClean="0"/>
-              <a:t>2024/1/17</a:t>
+              <a:t>2024/1/24</a:t>
             </a:fld>
             <a:endParaRPr kumimoji="1" lang="ja-JP" altLang="en-US"/>
           </a:p>
@@ -14073,7 +14073,7 @@
           <a:p>
             <a:fld id="{EE1801F8-EED5-448C-B060-2F76C646BBD2}" type="datetimeFigureOut">
               <a:rPr kumimoji="1" lang="ja-JP" altLang="en-US" smtClean="0"/>
-              <a:t>2024/1/17</a:t>
+              <a:t>2024/1/24</a:t>
             </a:fld>
             <a:endParaRPr kumimoji="1" lang="ja-JP" altLang="en-US"/>
           </a:p>
@@ -14989,7 +14989,7 @@
           <a:p>
             <a:fld id="{EE1801F8-EED5-448C-B060-2F76C646BBD2}" type="datetimeFigureOut">
               <a:rPr kumimoji="1" lang="ja-JP" altLang="en-US" smtClean="0"/>
-              <a:t>2024/1/17</a:t>
+              <a:t>2024/1/24</a:t>
             </a:fld>
             <a:endParaRPr kumimoji="1" lang="ja-JP" altLang="en-US"/>
           </a:p>
@@ -17761,7 +17761,7 @@
         </p:nvSpPr>
         <p:spPr>
           <a:xfrm>
-            <a:off x="1000372" y="1209957"/>
+            <a:off x="767833" y="822467"/>
             <a:ext cx="3034580" cy="4438087"/>
           </a:xfrm>
         </p:spPr>
@@ -17773,7 +17773,7 @@
           <a:p>
             <a:pPr algn="r"/>
             <a:r>
-              <a:rPr kumimoji="1" lang="ja-JP" altLang="en-US" sz="3200">
+              <a:rPr kumimoji="1" lang="ja-JP" altLang="en-US" sz="3200" dirty="0">
                 <a:solidFill>
                   <a:schemeClr val="tx1"/>
                 </a:solidFill>
@@ -17801,13 +17801,13 @@
         </p:nvSpPr>
         <p:spPr>
           <a:xfrm>
-            <a:off x="4678424" y="1059025"/>
-            <a:ext cx="5302189" cy="4739950"/>
+            <a:off x="4390263" y="584573"/>
+            <a:ext cx="6627274" cy="5919115"/>
           </a:xfrm>
         </p:spPr>
         <p:txBody>
           <a:bodyPr anchor="ctr">
-            <a:normAutofit/>
+            <a:normAutofit fontScale="85000" lnSpcReduction="20000"/>
           </a:bodyPr>
           <a:lstStyle/>
           <a:p>
@@ -17818,8 +17818,11 @@
             </a:endParaRPr>
           </a:p>
           <a:p>
-            <a:r>
-              <a:rPr lang="en-US" altLang="ja-JP" dirty="0">
+            <a:pPr marL="0" indent="0">
+              <a:buNone/>
+            </a:pPr>
+            <a:r>
+              <a:rPr lang="en-US" altLang="ja-JP" sz="3100" dirty="0">
                 <a:solidFill>
                   <a:schemeClr val="tx1"/>
                 </a:solidFill>
@@ -17827,43 +17830,46 @@
               <a:t>Html </a:t>
             </a:r>
             <a:r>
-              <a:rPr lang="ja-JP" altLang="en-US" dirty="0">
+              <a:rPr lang="ja-JP" altLang="en-US" sz="3100" dirty="0">
                 <a:solidFill>
                   <a:schemeClr val="tx1"/>
                 </a:solidFill>
               </a:rPr>
               <a:t>のように、クラスで区切られており、思考の整理がしやすく思ったよりも作りやすかった。</a:t>
             </a:r>
-            <a:endParaRPr lang="en-US" altLang="ja-JP" dirty="0">
+            <a:endParaRPr lang="en-US" altLang="ja-JP" sz="3100" dirty="0">
               <a:solidFill>
                 <a:schemeClr val="tx1"/>
               </a:solidFill>
             </a:endParaRPr>
           </a:p>
           <a:p>
-            <a:endParaRPr kumimoji="1" lang="en-US" altLang="ja-JP" dirty="0">
+            <a:endParaRPr kumimoji="1" lang="en-US" altLang="ja-JP" sz="3100" dirty="0">
               <a:solidFill>
                 <a:schemeClr val="tx1"/>
               </a:solidFill>
             </a:endParaRPr>
           </a:p>
           <a:p>
-            <a:r>
-              <a:rPr kumimoji="1" lang="ja-JP" altLang="en-US" dirty="0">
+            <a:pPr marL="0" indent="0">
+              <a:buNone/>
+            </a:pPr>
+            <a:r>
+              <a:rPr kumimoji="1" lang="ja-JP" altLang="en-US" sz="3100" dirty="0">
                 <a:solidFill>
                   <a:schemeClr val="tx1"/>
                 </a:solidFill>
               </a:rPr>
               <a:t>ネットに解説がかなり載っており、調べながら進めるのが容易であり、上記のようにクラスごとの解説が多く、コード全部書き換えたりしないで済んで助かった。</a:t>
             </a:r>
-            <a:endParaRPr kumimoji="1" lang="en-US" altLang="ja-JP" dirty="0">
+            <a:endParaRPr kumimoji="1" lang="en-US" altLang="ja-JP" sz="3100" dirty="0">
               <a:solidFill>
                 <a:schemeClr val="tx1"/>
               </a:solidFill>
             </a:endParaRPr>
           </a:p>
           <a:p>
-            <a:endParaRPr lang="en-US" altLang="ja-JP" dirty="0">
+            <a:endParaRPr lang="en-US" altLang="ja-JP" sz="3100" dirty="0">
               <a:solidFill>
                 <a:schemeClr val="tx1"/>
               </a:solidFill>
@@ -17874,14 +17880,74 @@
               <a:buNone/>
             </a:pPr>
             <a:r>
-              <a:rPr kumimoji="1" lang="ja-JP" altLang="en-US" dirty="0">
+              <a:rPr kumimoji="1" lang="ja-JP" altLang="en-US" sz="3100" dirty="0">
                 <a:solidFill>
                   <a:schemeClr val="tx1"/>
                 </a:solidFill>
               </a:rPr>
               <a:t>雑誌の付録ページより少なくなってしまった。</a:t>
             </a:r>
-            <a:endParaRPr kumimoji="1" lang="en-US" altLang="ja-JP" dirty="0">
+            <a:endParaRPr kumimoji="1" lang="en-US" altLang="ja-JP" sz="3100" dirty="0">
+              <a:solidFill>
+                <a:schemeClr val="tx1"/>
+              </a:solidFill>
+            </a:endParaRPr>
+          </a:p>
+          <a:p>
+            <a:pPr marL="0" indent="0">
+              <a:buNone/>
+            </a:pPr>
+            <a:endParaRPr kumimoji="1" lang="en-US" altLang="ja-JP" sz="3100" dirty="0">
+              <a:solidFill>
+                <a:schemeClr val="tx1"/>
+              </a:solidFill>
+            </a:endParaRPr>
+          </a:p>
+          <a:p>
+            <a:pPr marL="0" indent="0">
+              <a:buNone/>
+            </a:pPr>
+            <a:r>
+              <a:rPr kumimoji="1" lang="ja-JP" altLang="en-US" sz="3100" dirty="0">
+                <a:solidFill>
+                  <a:schemeClr val="tx1"/>
+                </a:solidFill>
+              </a:rPr>
+              <a:t>クトゥルフ神話</a:t>
+            </a:r>
+            <a:r>
+              <a:rPr kumimoji="1" lang="en-US" altLang="ja-JP" sz="3100" dirty="0">
+                <a:solidFill>
+                  <a:schemeClr val="tx1"/>
+                </a:solidFill>
+              </a:rPr>
+              <a:t>TRPG</a:t>
+            </a:r>
+            <a:r>
+              <a:rPr kumimoji="1" lang="ja-JP" altLang="en-US" sz="3100" dirty="0">
+                <a:solidFill>
+                  <a:schemeClr val="tx1"/>
+                </a:solidFill>
+              </a:rPr>
+              <a:t>要素</a:t>
+            </a:r>
+            <a:r>
+              <a:rPr lang="ja-JP" altLang="en-US" sz="3100" dirty="0">
+                <a:solidFill>
+                  <a:schemeClr val="tx1"/>
+                </a:solidFill>
+              </a:rPr>
+              <a:t>を</a:t>
+            </a:r>
+            <a:r>
+              <a:rPr kumimoji="1" lang="ja-JP" altLang="en-US" sz="3100" dirty="0">
+                <a:solidFill>
+                  <a:schemeClr val="tx1"/>
+                </a:solidFill>
+              </a:rPr>
+              <a:t>加えてしまい、わかりやすさが少なくなった。</a:t>
+            </a:r>
+            <a:endParaRPr kumimoji="1" lang="en-US" altLang="ja-JP" sz="3100" dirty="0">
               <a:solidFill>
                 <a:schemeClr val="tx1"/>
               </a:solidFill>
@@ -18008,8 +18074,8 @@
         </p:blipFill>
         <p:spPr>
           <a:xfrm>
-            <a:off x="9045427" y="295631"/>
-            <a:ext cx="2907298" cy="1635355"/>
+            <a:off x="17031" y="42961"/>
+            <a:ext cx="3605399" cy="2028037"/>
           </a:xfrm>
           <a:prstGeom prst="rect">
             <a:avLst/>
